--- a/git_img/develop_report.pptx
+++ b/git_img/develop_report.pptx
@@ -1,6 +1,6 @@
 
 <file path=ppt/presentation.xml><?xml version="1.0" encoding="utf-8"?>
-<p:presentation xmlns:a="http://schemas.openxmlformats.org/drawingml/2006/main" xmlns:r="http://schemas.openxmlformats.org/officeDocument/2006/relationships" xmlns:mc="http://schemas.openxmlformats.org/markup-compatibility/2006" xmlns:mv="urn:schemas-microsoft-com:mac:vml" xmlns:p="http://schemas.openxmlformats.org/presentationml/2006/main" xmlns:c="http://schemas.openxmlformats.org/drawingml/2006/chart" xmlns:dgm="http://schemas.openxmlformats.org/drawingml/2006/diagram" xmlns:o="urn:schemas-microsoft-com:office:office" xmlns:v="urn:schemas-microsoft-com:vml" xmlns:pvml="urn:schemas-microsoft-com:office:powerpoint" xmlns:com="http://schemas.openxmlformats.org/drawingml/2006/compatibility" xmlns:p14="http://schemas.microsoft.com/office/powerpoint/2010/main" xmlns:p15="http://schemas.microsoft.com/office/powerpoint/2012/main" autoCompressPictures="0" strictFirstAndLastChars="0" saveSubsetFonts="1">
+<p:presentation xmlns:a="http://schemas.openxmlformats.org/drawingml/2006/main" xmlns:r="http://schemas.openxmlformats.org/officeDocument/2006/relationships" xmlns:mc="http://schemas.openxmlformats.org/markup-compatibility/2006" xmlns:mv="urn:schemas-microsoft-com:mac:vml" xmlns:p="http://schemas.openxmlformats.org/presentationml/2006/main" xmlns:c="http://schemas.openxmlformats.org/drawingml/2006/chart" xmlns:dgm="http://schemas.openxmlformats.org/drawingml/2006/diagram" xmlns:o="urn:schemas-microsoft-com:office:office" xmlns:v="urn:schemas-microsoft-com:vml" xmlns:pvml="urn:schemas-microsoft-com:office:powerpoint" xmlns:com="http://schemas.openxmlformats.org/drawingml/2006/compatibility" xmlns:p14="http://schemas.microsoft.com/office/powerpoint/2010/main" xmlns:p15="http://schemas.microsoft.com/office/powerpoint/2012/main" xmlns:ahyp="http://schemas.microsoft.com/office/drawing/2018/hyperlinkcolor" autoCompressPictures="0" strictFirstAndLastChars="0" saveSubsetFonts="1">
   <p:sldMasterIdLst>
     <p:sldMasterId id="2147483648" r:id="rId5"/>
   </p:sldMasterIdLst>
@@ -15,8 +15,6 @@
     <p:sldId id="260" r:id="rId11"/>
     <p:sldId id="261" r:id="rId12"/>
     <p:sldId id="262" r:id="rId13"/>
-    <p:sldId id="263" r:id="rId14"/>
-    <p:sldId id="264" r:id="rId15"/>
   </p:sldIdLst>
   <p:sldSz cy="6858000" cx="9144000"/>
   <p:notesSz cx="9144000" cy="6858000"/>
@@ -265,14 +263,14 @@
       </p15:sldGuideLst>
     </p:ext>
     <p:ext uri="http://customooxmlschemas.google.com/">
-      <go:slidesCustomData xmlns:go="http://customooxmlschemas.google.com/" r:id="rId16" roundtripDataSignature="AMtx7miF0vbqv0ucmnzBWGNYjWcGEX2O4A=="/>
+      <go:slidesCustomData xmlns:go="http://customooxmlschemas.google.com/" r:id="rId14" roundtripDataSignature="AMtx7mhihtC6ZAhAXPxG1feGDtXHznEmfg=="/>
     </p:ext>
   </p:extLst>
 </p:presentation>
 </file>
 
 <file path=ppt/notesMasters/notesMaster1.xml><?xml version="1.0" encoding="utf-8"?>
-<p:notesMaster xmlns:a="http://schemas.openxmlformats.org/drawingml/2006/main" xmlns:r="http://schemas.openxmlformats.org/officeDocument/2006/relationships" xmlns:mc="http://schemas.openxmlformats.org/markup-compatibility/2006" xmlns:mv="urn:schemas-microsoft-com:mac:vml" xmlns:p="http://schemas.openxmlformats.org/presentationml/2006/main" xmlns:c="http://schemas.openxmlformats.org/drawingml/2006/chart" xmlns:dgm="http://schemas.openxmlformats.org/drawingml/2006/diagram" xmlns:o="urn:schemas-microsoft-com:office:office" xmlns:v="urn:schemas-microsoft-com:vml" xmlns:pvml="urn:schemas-microsoft-com:office:powerpoint" xmlns:com="http://schemas.openxmlformats.org/drawingml/2006/compatibility" xmlns:p14="http://schemas.microsoft.com/office/powerpoint/2010/main" xmlns:p15="http://schemas.microsoft.com/office/powerpoint/2012/main">
+<p:notesMaster xmlns:a="http://schemas.openxmlformats.org/drawingml/2006/main" xmlns:r="http://schemas.openxmlformats.org/officeDocument/2006/relationships" xmlns:mc="http://schemas.openxmlformats.org/markup-compatibility/2006" xmlns:mv="urn:schemas-microsoft-com:mac:vml" xmlns:p="http://schemas.openxmlformats.org/presentationml/2006/main" xmlns:c="http://schemas.openxmlformats.org/drawingml/2006/chart" xmlns:dgm="http://schemas.openxmlformats.org/drawingml/2006/diagram" xmlns:o="urn:schemas-microsoft-com:office:office" xmlns:v="urn:schemas-microsoft-com:vml" xmlns:pvml="urn:schemas-microsoft-com:office:powerpoint" xmlns:com="http://schemas.openxmlformats.org/drawingml/2006/compatibility" xmlns:p14="http://schemas.microsoft.com/office/powerpoint/2010/main" xmlns:p15="http://schemas.microsoft.com/office/powerpoint/2012/main" xmlns:ahyp="http://schemas.microsoft.com/office/drawing/2018/hyperlinkcolor">
   <p:cSld>
     <p:spTree>
       <p:nvGrpSpPr>
@@ -833,7 +831,7 @@
 </file>
 
 <file path=ppt/notesSlides/notesSlide1.xml><?xml version="1.0" encoding="utf-8"?>
-<p:notes xmlns:a="http://schemas.openxmlformats.org/drawingml/2006/main" xmlns:r="http://schemas.openxmlformats.org/officeDocument/2006/relationships" xmlns:mc="http://schemas.openxmlformats.org/markup-compatibility/2006" xmlns:mv="urn:schemas-microsoft-com:mac:vml" xmlns:p="http://schemas.openxmlformats.org/presentationml/2006/main" xmlns:c="http://schemas.openxmlformats.org/drawingml/2006/chart" xmlns:dgm="http://schemas.openxmlformats.org/drawingml/2006/diagram" xmlns:o="urn:schemas-microsoft-com:office:office" xmlns:v="urn:schemas-microsoft-com:vml" xmlns:pvml="urn:schemas-microsoft-com:office:powerpoint" xmlns:com="http://schemas.openxmlformats.org/drawingml/2006/compatibility" xmlns:p14="http://schemas.microsoft.com/office/powerpoint/2010/main" xmlns:p15="http://schemas.microsoft.com/office/powerpoint/2012/main" showMasterPhAnim="0" showMasterSp="0">
+<p:notes xmlns:a="http://schemas.openxmlformats.org/drawingml/2006/main" xmlns:r="http://schemas.openxmlformats.org/officeDocument/2006/relationships" xmlns:mc="http://schemas.openxmlformats.org/markup-compatibility/2006" xmlns:mv="urn:schemas-microsoft-com:mac:vml" xmlns:p="http://schemas.openxmlformats.org/presentationml/2006/main" xmlns:c="http://schemas.openxmlformats.org/drawingml/2006/chart" xmlns:dgm="http://schemas.openxmlformats.org/drawingml/2006/diagram" xmlns:o="urn:schemas-microsoft-com:office:office" xmlns:v="urn:schemas-microsoft-com:vml" xmlns:pvml="urn:schemas-microsoft-com:office:powerpoint" xmlns:com="http://schemas.openxmlformats.org/drawingml/2006/compatibility" xmlns:p14="http://schemas.microsoft.com/office/powerpoint/2010/main" xmlns:p15="http://schemas.microsoft.com/office/powerpoint/2012/main" xmlns:ahyp="http://schemas.microsoft.com/office/drawing/2018/hyperlinkcolor" showMasterPhAnim="0" showMasterSp="0">
   <p:cSld>
     <p:spTree>
       <p:nvGrpSpPr>
@@ -950,7 +948,7 @@
 </file>
 
 <file path=ppt/notesSlides/notesSlide2.xml><?xml version="1.0" encoding="utf-8"?>
-<p:notes xmlns:a="http://schemas.openxmlformats.org/drawingml/2006/main" xmlns:r="http://schemas.openxmlformats.org/officeDocument/2006/relationships" xmlns:mc="http://schemas.openxmlformats.org/markup-compatibility/2006" xmlns:mv="urn:schemas-microsoft-com:mac:vml" xmlns:p="http://schemas.openxmlformats.org/presentationml/2006/main" xmlns:c="http://schemas.openxmlformats.org/drawingml/2006/chart" xmlns:dgm="http://schemas.openxmlformats.org/drawingml/2006/diagram" xmlns:o="urn:schemas-microsoft-com:office:office" xmlns:v="urn:schemas-microsoft-com:vml" xmlns:pvml="urn:schemas-microsoft-com:office:powerpoint" xmlns:com="http://schemas.openxmlformats.org/drawingml/2006/compatibility" xmlns:p14="http://schemas.microsoft.com/office/powerpoint/2010/main" xmlns:p15="http://schemas.microsoft.com/office/powerpoint/2012/main" showMasterPhAnim="0" showMasterSp="0">
+<p:notes xmlns:a="http://schemas.openxmlformats.org/drawingml/2006/main" xmlns:r="http://schemas.openxmlformats.org/officeDocument/2006/relationships" xmlns:mc="http://schemas.openxmlformats.org/markup-compatibility/2006" xmlns:mv="urn:schemas-microsoft-com:mac:vml" xmlns:p="http://schemas.openxmlformats.org/presentationml/2006/main" xmlns:c="http://schemas.openxmlformats.org/drawingml/2006/chart" xmlns:dgm="http://schemas.openxmlformats.org/drawingml/2006/diagram" xmlns:o="urn:schemas-microsoft-com:office:office" xmlns:v="urn:schemas-microsoft-com:vml" xmlns:pvml="urn:schemas-microsoft-com:office:powerpoint" xmlns:com="http://schemas.openxmlformats.org/drawingml/2006/compatibility" xmlns:p14="http://schemas.microsoft.com/office/powerpoint/2010/main" xmlns:p15="http://schemas.microsoft.com/office/powerpoint/2012/main" xmlns:ahyp="http://schemas.microsoft.com/office/drawing/2018/hyperlinkcolor" showMasterPhAnim="0" showMasterSp="0">
   <p:cSld>
     <p:spTree>
       <p:nvGrpSpPr>
@@ -1067,7 +1065,7 @@
 </file>
 
 <file path=ppt/notesSlides/notesSlide3.xml><?xml version="1.0" encoding="utf-8"?>
-<p:notes xmlns:a="http://schemas.openxmlformats.org/drawingml/2006/main" xmlns:r="http://schemas.openxmlformats.org/officeDocument/2006/relationships" xmlns:mc="http://schemas.openxmlformats.org/markup-compatibility/2006" xmlns:mv="urn:schemas-microsoft-com:mac:vml" xmlns:p="http://schemas.openxmlformats.org/presentationml/2006/main" xmlns:c="http://schemas.openxmlformats.org/drawingml/2006/chart" xmlns:dgm="http://schemas.openxmlformats.org/drawingml/2006/diagram" xmlns:o="urn:schemas-microsoft-com:office:office" xmlns:v="urn:schemas-microsoft-com:vml" xmlns:pvml="urn:schemas-microsoft-com:office:powerpoint" xmlns:com="http://schemas.openxmlformats.org/drawingml/2006/compatibility" xmlns:p14="http://schemas.microsoft.com/office/powerpoint/2010/main" xmlns:p15="http://schemas.microsoft.com/office/powerpoint/2012/main" showMasterPhAnim="0" showMasterSp="0">
+<p:notes xmlns:a="http://schemas.openxmlformats.org/drawingml/2006/main" xmlns:r="http://schemas.openxmlformats.org/officeDocument/2006/relationships" xmlns:mc="http://schemas.openxmlformats.org/markup-compatibility/2006" xmlns:mv="urn:schemas-microsoft-com:mac:vml" xmlns:p="http://schemas.openxmlformats.org/presentationml/2006/main" xmlns:c="http://schemas.openxmlformats.org/drawingml/2006/chart" xmlns:dgm="http://schemas.openxmlformats.org/drawingml/2006/diagram" xmlns:o="urn:schemas-microsoft-com:office:office" xmlns:v="urn:schemas-microsoft-com:vml" xmlns:pvml="urn:schemas-microsoft-com:office:powerpoint" xmlns:com="http://schemas.openxmlformats.org/drawingml/2006/compatibility" xmlns:p14="http://schemas.microsoft.com/office/powerpoint/2010/main" xmlns:p15="http://schemas.microsoft.com/office/powerpoint/2012/main" xmlns:ahyp="http://schemas.microsoft.com/office/drawing/2018/hyperlinkcolor" showMasterPhAnim="0" showMasterSp="0">
   <p:cSld>
     <p:spTree>
       <p:nvGrpSpPr>
@@ -1184,7 +1182,7 @@
 </file>
 
 <file path=ppt/notesSlides/notesSlide4.xml><?xml version="1.0" encoding="utf-8"?>
-<p:notes xmlns:a="http://schemas.openxmlformats.org/drawingml/2006/main" xmlns:r="http://schemas.openxmlformats.org/officeDocument/2006/relationships" xmlns:mc="http://schemas.openxmlformats.org/markup-compatibility/2006" xmlns:mv="urn:schemas-microsoft-com:mac:vml" xmlns:p="http://schemas.openxmlformats.org/presentationml/2006/main" xmlns:c="http://schemas.openxmlformats.org/drawingml/2006/chart" xmlns:dgm="http://schemas.openxmlformats.org/drawingml/2006/diagram" xmlns:o="urn:schemas-microsoft-com:office:office" xmlns:v="urn:schemas-microsoft-com:vml" xmlns:pvml="urn:schemas-microsoft-com:office:powerpoint" xmlns:com="http://schemas.openxmlformats.org/drawingml/2006/compatibility" xmlns:p14="http://schemas.microsoft.com/office/powerpoint/2010/main" xmlns:p15="http://schemas.microsoft.com/office/powerpoint/2012/main" showMasterPhAnim="0" showMasterSp="0">
+<p:notes xmlns:a="http://schemas.openxmlformats.org/drawingml/2006/main" xmlns:r="http://schemas.openxmlformats.org/officeDocument/2006/relationships" xmlns:mc="http://schemas.openxmlformats.org/markup-compatibility/2006" xmlns:mv="urn:schemas-microsoft-com:mac:vml" xmlns:p="http://schemas.openxmlformats.org/presentationml/2006/main" xmlns:c="http://schemas.openxmlformats.org/drawingml/2006/chart" xmlns:dgm="http://schemas.openxmlformats.org/drawingml/2006/diagram" xmlns:o="urn:schemas-microsoft-com:office:office" xmlns:v="urn:schemas-microsoft-com:vml" xmlns:pvml="urn:schemas-microsoft-com:office:powerpoint" xmlns:com="http://schemas.openxmlformats.org/drawingml/2006/compatibility" xmlns:p14="http://schemas.microsoft.com/office/powerpoint/2010/main" xmlns:p15="http://schemas.microsoft.com/office/powerpoint/2012/main" xmlns:ahyp="http://schemas.microsoft.com/office/drawing/2018/hyperlinkcolor" showMasterPhAnim="0" showMasterSp="0">
   <p:cSld>
     <p:spTree>
       <p:nvGrpSpPr>
@@ -1301,7 +1299,7 @@
 </file>
 
 <file path=ppt/notesSlides/notesSlide5.xml><?xml version="1.0" encoding="utf-8"?>
-<p:notes xmlns:a="http://schemas.openxmlformats.org/drawingml/2006/main" xmlns:r="http://schemas.openxmlformats.org/officeDocument/2006/relationships" xmlns:mc="http://schemas.openxmlformats.org/markup-compatibility/2006" xmlns:mv="urn:schemas-microsoft-com:mac:vml" xmlns:p="http://schemas.openxmlformats.org/presentationml/2006/main" xmlns:c="http://schemas.openxmlformats.org/drawingml/2006/chart" xmlns:dgm="http://schemas.openxmlformats.org/drawingml/2006/diagram" xmlns:o="urn:schemas-microsoft-com:office:office" xmlns:v="urn:schemas-microsoft-com:vml" xmlns:pvml="urn:schemas-microsoft-com:office:powerpoint" xmlns:com="http://schemas.openxmlformats.org/drawingml/2006/compatibility" xmlns:p14="http://schemas.microsoft.com/office/powerpoint/2010/main" xmlns:p15="http://schemas.microsoft.com/office/powerpoint/2012/main" showMasterPhAnim="0" showMasterSp="0">
+<p:notes xmlns:a="http://schemas.openxmlformats.org/drawingml/2006/main" xmlns:r="http://schemas.openxmlformats.org/officeDocument/2006/relationships" xmlns:mc="http://schemas.openxmlformats.org/markup-compatibility/2006" xmlns:mv="urn:schemas-microsoft-com:mac:vml" xmlns:p="http://schemas.openxmlformats.org/presentationml/2006/main" xmlns:c="http://schemas.openxmlformats.org/drawingml/2006/chart" xmlns:dgm="http://schemas.openxmlformats.org/drawingml/2006/diagram" xmlns:o="urn:schemas-microsoft-com:office:office" xmlns:v="urn:schemas-microsoft-com:vml" xmlns:pvml="urn:schemas-microsoft-com:office:powerpoint" xmlns:com="http://schemas.openxmlformats.org/drawingml/2006/compatibility" xmlns:p14="http://schemas.microsoft.com/office/powerpoint/2010/main" xmlns:p15="http://schemas.microsoft.com/office/powerpoint/2012/main" xmlns:ahyp="http://schemas.microsoft.com/office/drawing/2018/hyperlinkcolor" showMasterPhAnim="0" showMasterSp="0">
   <p:cSld>
     <p:spTree>
       <p:nvGrpSpPr>
@@ -1418,7 +1416,7 @@
 </file>
 
 <file path=ppt/notesSlides/notesSlide6.xml><?xml version="1.0" encoding="utf-8"?>
-<p:notes xmlns:a="http://schemas.openxmlformats.org/drawingml/2006/main" xmlns:r="http://schemas.openxmlformats.org/officeDocument/2006/relationships" xmlns:mc="http://schemas.openxmlformats.org/markup-compatibility/2006" xmlns:mv="urn:schemas-microsoft-com:mac:vml" xmlns:p="http://schemas.openxmlformats.org/presentationml/2006/main" xmlns:c="http://schemas.openxmlformats.org/drawingml/2006/chart" xmlns:dgm="http://schemas.openxmlformats.org/drawingml/2006/diagram" xmlns:o="urn:schemas-microsoft-com:office:office" xmlns:v="urn:schemas-microsoft-com:vml" xmlns:pvml="urn:schemas-microsoft-com:office:powerpoint" xmlns:com="http://schemas.openxmlformats.org/drawingml/2006/compatibility" xmlns:p14="http://schemas.microsoft.com/office/powerpoint/2010/main" xmlns:p15="http://schemas.microsoft.com/office/powerpoint/2012/main" showMasterPhAnim="0" showMasterSp="0">
+<p:notes xmlns:a="http://schemas.openxmlformats.org/drawingml/2006/main" xmlns:r="http://schemas.openxmlformats.org/officeDocument/2006/relationships" xmlns:mc="http://schemas.openxmlformats.org/markup-compatibility/2006" xmlns:mv="urn:schemas-microsoft-com:mac:vml" xmlns:p="http://schemas.openxmlformats.org/presentationml/2006/main" xmlns:c="http://schemas.openxmlformats.org/drawingml/2006/chart" xmlns:dgm="http://schemas.openxmlformats.org/drawingml/2006/diagram" xmlns:o="urn:schemas-microsoft-com:office:office" xmlns:v="urn:schemas-microsoft-com:vml" xmlns:pvml="urn:schemas-microsoft-com:office:powerpoint" xmlns:com="http://schemas.openxmlformats.org/drawingml/2006/compatibility" xmlns:p14="http://schemas.microsoft.com/office/powerpoint/2010/main" xmlns:p15="http://schemas.microsoft.com/office/powerpoint/2012/main" xmlns:ahyp="http://schemas.microsoft.com/office/drawing/2018/hyperlinkcolor" showMasterPhAnim="0" showMasterSp="0">
   <p:cSld>
     <p:spTree>
       <p:nvGrpSpPr>
@@ -1535,11 +1533,11 @@
 </file>
 
 <file path=ppt/notesSlides/notesSlide7.xml><?xml version="1.0" encoding="utf-8"?>
-<p:notes xmlns:a="http://schemas.openxmlformats.org/drawingml/2006/main" xmlns:r="http://schemas.openxmlformats.org/officeDocument/2006/relationships" xmlns:mc="http://schemas.openxmlformats.org/markup-compatibility/2006" xmlns:mv="urn:schemas-microsoft-com:mac:vml" xmlns:p="http://schemas.openxmlformats.org/presentationml/2006/main" xmlns:c="http://schemas.openxmlformats.org/drawingml/2006/chart" xmlns:dgm="http://schemas.openxmlformats.org/drawingml/2006/diagram" xmlns:o="urn:schemas-microsoft-com:office:office" xmlns:v="urn:schemas-microsoft-com:vml" xmlns:pvml="urn:schemas-microsoft-com:office:powerpoint" xmlns:com="http://schemas.openxmlformats.org/drawingml/2006/compatibility" xmlns:p14="http://schemas.microsoft.com/office/powerpoint/2010/main" xmlns:p15="http://schemas.microsoft.com/office/powerpoint/2012/main" showMasterPhAnim="0" showMasterSp="0">
+<p:notes xmlns:a="http://schemas.openxmlformats.org/drawingml/2006/main" xmlns:r="http://schemas.openxmlformats.org/officeDocument/2006/relationships" xmlns:mc="http://schemas.openxmlformats.org/markup-compatibility/2006" xmlns:mv="urn:schemas-microsoft-com:mac:vml" xmlns:p="http://schemas.openxmlformats.org/presentationml/2006/main" xmlns:c="http://schemas.openxmlformats.org/drawingml/2006/chart" xmlns:dgm="http://schemas.openxmlformats.org/drawingml/2006/diagram" xmlns:o="urn:schemas-microsoft-com:office:office" xmlns:v="urn:schemas-microsoft-com:vml" xmlns:pvml="urn:schemas-microsoft-com:office:powerpoint" xmlns:com="http://schemas.openxmlformats.org/drawingml/2006/compatibility" xmlns:p14="http://schemas.microsoft.com/office/powerpoint/2010/main" xmlns:p15="http://schemas.microsoft.com/office/powerpoint/2012/main" xmlns:ahyp="http://schemas.microsoft.com/office/drawing/2018/hyperlinkcolor" showMasterPhAnim="0" showMasterSp="0">
   <p:cSld>
     <p:spTree>
       <p:nvGrpSpPr>
-        <p:cNvPr id="113" name="Shape 113"/>
+        <p:cNvPr id="112" name="Shape 112"/>
         <p:cNvGrpSpPr/>
         <p:nvPr/>
       </p:nvGrpSpPr>
@@ -1553,7 +1551,7 @@
       </p:grpSpPr>
       <p:sp>
         <p:nvSpPr>
-          <p:cNvPr id="114" name="Google Shape;114;p7:notes"/>
+          <p:cNvPr id="113" name="Google Shape;113;p8:notes"/>
           <p:cNvSpPr txBox="1"/>
           <p:nvPr>
             <p:ph idx="1" type="body"/>
@@ -1600,7 +1598,7 @@
       </p:sp>
       <p:sp>
         <p:nvSpPr>
-          <p:cNvPr id="115" name="Google Shape;115;p7:notes"/>
+          <p:cNvPr id="114" name="Google Shape;114;p8:notes"/>
           <p:cNvSpPr/>
           <p:nvPr>
             <p:ph idx="2" type="sldImg"/>
@@ -1651,242 +1649,8 @@
 </p:notes>
 </file>
 
-<file path=ppt/notesSlides/notesSlide8.xml><?xml version="1.0" encoding="utf-8"?>
-<p:notes xmlns:a="http://schemas.openxmlformats.org/drawingml/2006/main" xmlns:r="http://schemas.openxmlformats.org/officeDocument/2006/relationships" xmlns:mc="http://schemas.openxmlformats.org/markup-compatibility/2006" xmlns:mv="urn:schemas-microsoft-com:mac:vml" xmlns:p="http://schemas.openxmlformats.org/presentationml/2006/main" xmlns:c="http://schemas.openxmlformats.org/drawingml/2006/chart" xmlns:dgm="http://schemas.openxmlformats.org/drawingml/2006/diagram" xmlns:o="urn:schemas-microsoft-com:office:office" xmlns:v="urn:schemas-microsoft-com:vml" xmlns:pvml="urn:schemas-microsoft-com:office:powerpoint" xmlns:com="http://schemas.openxmlformats.org/drawingml/2006/compatibility" xmlns:p14="http://schemas.microsoft.com/office/powerpoint/2010/main" xmlns:p15="http://schemas.microsoft.com/office/powerpoint/2012/main" showMasterPhAnim="0" showMasterSp="0">
-  <p:cSld>
-    <p:spTree>
-      <p:nvGrpSpPr>
-        <p:cNvPr id="123" name="Shape 123"/>
-        <p:cNvGrpSpPr/>
-        <p:nvPr/>
-      </p:nvGrpSpPr>
-      <p:grpSpPr>
-        <a:xfrm>
-          <a:off x="0" y="0"/>
-          <a:ext cx="0" cy="0"/>
-          <a:chOff x="0" y="0"/>
-          <a:chExt cx="0" cy="0"/>
-        </a:xfrm>
-      </p:grpSpPr>
-      <p:sp>
-        <p:nvSpPr>
-          <p:cNvPr id="124" name="Google Shape;124;p8:notes"/>
-          <p:cNvSpPr txBox="1"/>
-          <p:nvPr>
-            <p:ph idx="1" type="body"/>
-          </p:nvPr>
-        </p:nvSpPr>
-        <p:spPr>
-          <a:xfrm>
-            <a:off x="914400" y="3257550"/>
-            <a:ext cx="7315200" cy="3086100"/>
-          </a:xfrm>
-          <a:prstGeom prst="rect">
-            <a:avLst/>
-          </a:prstGeom>
-          <a:noFill/>
-          <a:ln>
-            <a:noFill/>
-          </a:ln>
-        </p:spPr>
-        <p:txBody>
-          <a:bodyPr anchorCtr="0" anchor="t" bIns="91425" lIns="91425" spcFirstLastPara="1" rIns="91425" wrap="square" tIns="91425">
-            <a:noAutofit/>
-          </a:bodyPr>
-          <a:lstStyle/>
-          <a:p>
-            <a:pPr indent="0" lvl="0" marL="0" rtl="0" algn="l">
-              <a:lnSpc>
-                <a:spcPct val="100000"/>
-              </a:lnSpc>
-              <a:spcBef>
-                <a:spcPts val="0"/>
-              </a:spcBef>
-              <a:spcAft>
-                <a:spcPts val="0"/>
-              </a:spcAft>
-              <a:buSzPts val="1100"/>
-              <a:buNone/>
-            </a:pPr>
-            <a:r>
-              <a:t/>
-            </a:r>
-            <a:endParaRPr/>
-          </a:p>
-        </p:txBody>
-      </p:sp>
-      <p:sp>
-        <p:nvSpPr>
-          <p:cNvPr id="125" name="Google Shape;125;p8:notes"/>
-          <p:cNvSpPr/>
-          <p:nvPr>
-            <p:ph idx="2" type="sldImg"/>
-          </p:nvPr>
-        </p:nvSpPr>
-        <p:spPr>
-          <a:xfrm>
-            <a:off x="1524300" y="514350"/>
-            <a:ext cx="6096300" cy="2571600"/>
-          </a:xfrm>
-          <a:custGeom>
-            <a:rect b="b" l="l" r="r" t="t"/>
-            <a:pathLst>
-              <a:path extrusionOk="0" h="120000" w="120000">
-                <a:moveTo>
-                  <a:pt x="0" y="0"/>
-                </a:moveTo>
-                <a:lnTo>
-                  <a:pt x="120000" y="0"/>
-                </a:lnTo>
-                <a:lnTo>
-                  <a:pt x="120000" y="120000"/>
-                </a:lnTo>
-                <a:lnTo>
-                  <a:pt x="0" y="120000"/>
-                </a:lnTo>
-                <a:close/>
-              </a:path>
-            </a:pathLst>
-          </a:custGeom>
-          <a:noFill/>
-          <a:ln cap="flat" cmpd="sng" w="9525">
-            <a:solidFill>
-              <a:srgbClr val="000000"/>
-            </a:solidFill>
-            <a:prstDash val="solid"/>
-            <a:round/>
-            <a:headEnd len="sm" w="sm" type="none"/>
-            <a:tailEnd len="sm" w="sm" type="none"/>
-          </a:ln>
-        </p:spPr>
-      </p:sp>
-    </p:spTree>
-  </p:cSld>
-  <p:clrMapOvr>
-    <a:masterClrMapping/>
-  </p:clrMapOvr>
-</p:notes>
-</file>
-
-<file path=ppt/notesSlides/notesSlide9.xml><?xml version="1.0" encoding="utf-8"?>
-<p:notes xmlns:a="http://schemas.openxmlformats.org/drawingml/2006/main" xmlns:r="http://schemas.openxmlformats.org/officeDocument/2006/relationships" xmlns:mc="http://schemas.openxmlformats.org/markup-compatibility/2006" xmlns:mv="urn:schemas-microsoft-com:mac:vml" xmlns:p="http://schemas.openxmlformats.org/presentationml/2006/main" xmlns:c="http://schemas.openxmlformats.org/drawingml/2006/chart" xmlns:dgm="http://schemas.openxmlformats.org/drawingml/2006/diagram" xmlns:o="urn:schemas-microsoft-com:office:office" xmlns:v="urn:schemas-microsoft-com:vml" xmlns:pvml="urn:schemas-microsoft-com:office:powerpoint" xmlns:com="http://schemas.openxmlformats.org/drawingml/2006/compatibility" xmlns:p14="http://schemas.microsoft.com/office/powerpoint/2010/main" xmlns:p15="http://schemas.microsoft.com/office/powerpoint/2012/main" showMasterPhAnim="0" showMasterSp="0">
-  <p:cSld>
-    <p:spTree>
-      <p:nvGrpSpPr>
-        <p:cNvPr id="134" name="Shape 134"/>
-        <p:cNvGrpSpPr/>
-        <p:nvPr/>
-      </p:nvGrpSpPr>
-      <p:grpSpPr>
-        <a:xfrm>
-          <a:off x="0" y="0"/>
-          <a:ext cx="0" cy="0"/>
-          <a:chOff x="0" y="0"/>
-          <a:chExt cx="0" cy="0"/>
-        </a:xfrm>
-      </p:grpSpPr>
-      <p:sp>
-        <p:nvSpPr>
-          <p:cNvPr id="135" name="Google Shape;135;p9:notes"/>
-          <p:cNvSpPr txBox="1"/>
-          <p:nvPr>
-            <p:ph idx="1" type="body"/>
-          </p:nvPr>
-        </p:nvSpPr>
-        <p:spPr>
-          <a:xfrm>
-            <a:off x="914400" y="3257550"/>
-            <a:ext cx="7315200" cy="3086100"/>
-          </a:xfrm>
-          <a:prstGeom prst="rect">
-            <a:avLst/>
-          </a:prstGeom>
-          <a:noFill/>
-          <a:ln>
-            <a:noFill/>
-          </a:ln>
-        </p:spPr>
-        <p:txBody>
-          <a:bodyPr anchorCtr="0" anchor="t" bIns="91425" lIns="91425" spcFirstLastPara="1" rIns="91425" wrap="square" tIns="91425">
-            <a:noAutofit/>
-          </a:bodyPr>
-          <a:lstStyle/>
-          <a:p>
-            <a:pPr indent="0" lvl="0" marL="0" rtl="0" algn="l">
-              <a:lnSpc>
-                <a:spcPct val="100000"/>
-              </a:lnSpc>
-              <a:spcBef>
-                <a:spcPts val="0"/>
-              </a:spcBef>
-              <a:spcAft>
-                <a:spcPts val="0"/>
-              </a:spcAft>
-              <a:buSzPts val="1100"/>
-              <a:buNone/>
-            </a:pPr>
-            <a:r>
-              <a:t/>
-            </a:r>
-            <a:endParaRPr/>
-          </a:p>
-        </p:txBody>
-      </p:sp>
-      <p:sp>
-        <p:nvSpPr>
-          <p:cNvPr id="136" name="Google Shape;136;p9:notes"/>
-          <p:cNvSpPr/>
-          <p:nvPr>
-            <p:ph idx="2" type="sldImg"/>
-          </p:nvPr>
-        </p:nvSpPr>
-        <p:spPr>
-          <a:xfrm>
-            <a:off x="1524300" y="514350"/>
-            <a:ext cx="6096300" cy="2571750"/>
-          </a:xfrm>
-          <a:custGeom>
-            <a:rect b="b" l="l" r="r" t="t"/>
-            <a:pathLst>
-              <a:path extrusionOk="0" h="120000" w="120000">
-                <a:moveTo>
-                  <a:pt x="0" y="0"/>
-                </a:moveTo>
-                <a:lnTo>
-                  <a:pt x="120000" y="0"/>
-                </a:lnTo>
-                <a:lnTo>
-                  <a:pt x="120000" y="120000"/>
-                </a:lnTo>
-                <a:lnTo>
-                  <a:pt x="0" y="120000"/>
-                </a:lnTo>
-                <a:close/>
-              </a:path>
-            </a:pathLst>
-          </a:custGeom>
-          <a:noFill/>
-          <a:ln cap="flat" cmpd="sng" w="9525">
-            <a:solidFill>
-              <a:srgbClr val="000000"/>
-            </a:solidFill>
-            <a:prstDash val="solid"/>
-            <a:round/>
-            <a:headEnd len="sm" w="sm" type="none"/>
-            <a:tailEnd len="sm" w="sm" type="none"/>
-          </a:ln>
-        </p:spPr>
-      </p:sp>
-    </p:spTree>
-  </p:cSld>
-  <p:clrMapOvr>
-    <a:masterClrMapping/>
-  </p:clrMapOvr>
-</p:notes>
-</file>
-
 <file path=ppt/slideLayouts/slideLayout1.xml><?xml version="1.0" encoding="utf-8"?>
-<p:sldLayout xmlns:a="http://schemas.openxmlformats.org/drawingml/2006/main" xmlns:r="http://schemas.openxmlformats.org/officeDocument/2006/relationships" xmlns:mc="http://schemas.openxmlformats.org/markup-compatibility/2006" xmlns:mv="urn:schemas-microsoft-com:mac:vml" xmlns:p="http://schemas.openxmlformats.org/presentationml/2006/main" xmlns:c="http://schemas.openxmlformats.org/drawingml/2006/chart" xmlns:dgm="http://schemas.openxmlformats.org/drawingml/2006/diagram" xmlns:o="urn:schemas-microsoft-com:office:office" xmlns:v="urn:schemas-microsoft-com:vml" xmlns:pvml="urn:schemas-microsoft-com:office:powerpoint" xmlns:com="http://schemas.openxmlformats.org/drawingml/2006/compatibility" xmlns:p14="http://schemas.microsoft.com/office/powerpoint/2010/main" xmlns:p15="http://schemas.microsoft.com/office/powerpoint/2012/main" matchingName="Title and Content" type="obj">
+<p:sldLayout xmlns:a="http://schemas.openxmlformats.org/drawingml/2006/main" xmlns:r="http://schemas.openxmlformats.org/officeDocument/2006/relationships" xmlns:mc="http://schemas.openxmlformats.org/markup-compatibility/2006" xmlns:mv="urn:schemas-microsoft-com:mac:vml" xmlns:p="http://schemas.openxmlformats.org/presentationml/2006/main" xmlns:c="http://schemas.openxmlformats.org/drawingml/2006/chart" xmlns:dgm="http://schemas.openxmlformats.org/drawingml/2006/diagram" xmlns:o="urn:schemas-microsoft-com:office:office" xmlns:v="urn:schemas-microsoft-com:vml" xmlns:pvml="urn:schemas-microsoft-com:office:powerpoint" xmlns:com="http://schemas.openxmlformats.org/drawingml/2006/compatibility" xmlns:p14="http://schemas.microsoft.com/office/powerpoint/2010/main" xmlns:p15="http://schemas.microsoft.com/office/powerpoint/2012/main" xmlns:ahyp="http://schemas.microsoft.com/office/drawing/2018/hyperlinkcolor" matchingName="Title and Content" type="obj">
   <p:cSld name="OBJECT">
     <p:spTree>
       <p:nvGrpSpPr>
@@ -1904,7 +1668,7 @@
       </p:grpSpPr>
       <p:sp>
         <p:nvSpPr>
-          <p:cNvPr id="13" name="Google Shape;13;p11"/>
+          <p:cNvPr id="13" name="Google Shape;13;p10"/>
           <p:cNvSpPr txBox="1"/>
           <p:nvPr>
             <p:ph type="title"/>
@@ -2068,7 +1832,7 @@
       </p:sp>
       <p:sp>
         <p:nvSpPr>
-          <p:cNvPr id="14" name="Google Shape;14;p11"/>
+          <p:cNvPr id="14" name="Google Shape;14;p10"/>
           <p:cNvSpPr txBox="1"/>
           <p:nvPr>
             <p:ph idx="1" type="body"/>
@@ -2232,7 +1996,7 @@
       </p:sp>
       <p:sp>
         <p:nvSpPr>
-          <p:cNvPr id="15" name="Google Shape;15;p11"/>
+          <p:cNvPr id="15" name="Google Shape;15;p10"/>
           <p:cNvSpPr txBox="1"/>
           <p:nvPr>
             <p:ph idx="11" type="ftr"/>
@@ -2392,7 +2156,7 @@
       </p:sp>
       <p:sp>
         <p:nvSpPr>
-          <p:cNvPr id="16" name="Google Shape;16;p11"/>
+          <p:cNvPr id="16" name="Google Shape;16;p10"/>
           <p:cNvSpPr txBox="1"/>
           <p:nvPr>
             <p:ph idx="10" type="dt"/>
@@ -2552,7 +2316,7 @@
       </p:sp>
       <p:sp>
         <p:nvSpPr>
-          <p:cNvPr id="17" name="Google Shape;17;p11"/>
+          <p:cNvPr id="17" name="Google Shape;17;p10"/>
           <p:cNvSpPr txBox="1"/>
           <p:nvPr>
             <p:ph idx="12" type="sldNum"/>
@@ -2838,7 +2602,7 @@
 </file>
 
 <file path=ppt/slideLayouts/slideLayout2.xml><?xml version="1.0" encoding="utf-8"?>
-<p:sldLayout xmlns:a="http://schemas.openxmlformats.org/drawingml/2006/main" xmlns:r="http://schemas.openxmlformats.org/officeDocument/2006/relationships" xmlns:mc="http://schemas.openxmlformats.org/markup-compatibility/2006" xmlns:mv="urn:schemas-microsoft-com:mac:vml" xmlns:p="http://schemas.openxmlformats.org/presentationml/2006/main" xmlns:c="http://schemas.openxmlformats.org/drawingml/2006/chart" xmlns:dgm="http://schemas.openxmlformats.org/drawingml/2006/diagram" xmlns:o="urn:schemas-microsoft-com:office:office" xmlns:v="urn:schemas-microsoft-com:vml" xmlns:pvml="urn:schemas-microsoft-com:office:powerpoint" xmlns:com="http://schemas.openxmlformats.org/drawingml/2006/compatibility" xmlns:p14="http://schemas.microsoft.com/office/powerpoint/2010/main" xmlns:p15="http://schemas.microsoft.com/office/powerpoint/2012/main" matchingName="Blank">
+<p:sldLayout xmlns:a="http://schemas.openxmlformats.org/drawingml/2006/main" xmlns:r="http://schemas.openxmlformats.org/officeDocument/2006/relationships" xmlns:mc="http://schemas.openxmlformats.org/markup-compatibility/2006" xmlns:mv="urn:schemas-microsoft-com:mac:vml" xmlns:p="http://schemas.openxmlformats.org/presentationml/2006/main" xmlns:c="http://schemas.openxmlformats.org/drawingml/2006/chart" xmlns:dgm="http://schemas.openxmlformats.org/drawingml/2006/diagram" xmlns:o="urn:schemas-microsoft-com:office:office" xmlns:v="urn:schemas-microsoft-com:vml" xmlns:pvml="urn:schemas-microsoft-com:office:powerpoint" xmlns:com="http://schemas.openxmlformats.org/drawingml/2006/compatibility" xmlns:p14="http://schemas.microsoft.com/office/powerpoint/2010/main" xmlns:p15="http://schemas.microsoft.com/office/powerpoint/2012/main" xmlns:ahyp="http://schemas.microsoft.com/office/drawing/2018/hyperlinkcolor" matchingName="Blank">
   <p:cSld name="Blank">
     <p:spTree>
       <p:nvGrpSpPr>
@@ -2856,7 +2620,7 @@
       </p:grpSpPr>
       <p:sp>
         <p:nvSpPr>
-          <p:cNvPr id="19" name="Google Shape;19;p12"/>
+          <p:cNvPr id="19" name="Google Shape;19;p11"/>
           <p:cNvSpPr txBox="1"/>
           <p:nvPr>
             <p:ph idx="11" type="ftr"/>
@@ -3016,7 +2780,7 @@
       </p:sp>
       <p:sp>
         <p:nvSpPr>
-          <p:cNvPr id="20" name="Google Shape;20;p12"/>
+          <p:cNvPr id="20" name="Google Shape;20;p11"/>
           <p:cNvSpPr txBox="1"/>
           <p:nvPr>
             <p:ph idx="10" type="dt"/>
@@ -3176,7 +2940,7 @@
       </p:sp>
       <p:sp>
         <p:nvSpPr>
-          <p:cNvPr id="21" name="Google Shape;21;p12"/>
+          <p:cNvPr id="21" name="Google Shape;21;p11"/>
           <p:cNvSpPr txBox="1"/>
           <p:nvPr>
             <p:ph idx="12" type="sldNum"/>
@@ -3462,7 +3226,7 @@
 </file>
 
 <file path=ppt/slideLayouts/slideLayout3.xml><?xml version="1.0" encoding="utf-8"?>
-<p:sldLayout xmlns:a="http://schemas.openxmlformats.org/drawingml/2006/main" xmlns:r="http://schemas.openxmlformats.org/officeDocument/2006/relationships" xmlns:mc="http://schemas.openxmlformats.org/markup-compatibility/2006" xmlns:mv="urn:schemas-microsoft-com:mac:vml" xmlns:p="http://schemas.openxmlformats.org/presentationml/2006/main" xmlns:c="http://schemas.openxmlformats.org/drawingml/2006/chart" xmlns:dgm="http://schemas.openxmlformats.org/drawingml/2006/diagram" xmlns:o="urn:schemas-microsoft-com:office:office" xmlns:v="urn:schemas-microsoft-com:vml" xmlns:pvml="urn:schemas-microsoft-com:office:powerpoint" xmlns:com="http://schemas.openxmlformats.org/drawingml/2006/compatibility" xmlns:p14="http://schemas.microsoft.com/office/powerpoint/2010/main" xmlns:p15="http://schemas.microsoft.com/office/powerpoint/2012/main" matchingName="Two Content" showMasterSp="0">
+<p:sldLayout xmlns:a="http://schemas.openxmlformats.org/drawingml/2006/main" xmlns:r="http://schemas.openxmlformats.org/officeDocument/2006/relationships" xmlns:mc="http://schemas.openxmlformats.org/markup-compatibility/2006" xmlns:mv="urn:schemas-microsoft-com:mac:vml" xmlns:p="http://schemas.openxmlformats.org/presentationml/2006/main" xmlns:c="http://schemas.openxmlformats.org/drawingml/2006/chart" xmlns:dgm="http://schemas.openxmlformats.org/drawingml/2006/diagram" xmlns:o="urn:schemas-microsoft-com:office:office" xmlns:v="urn:schemas-microsoft-com:vml" xmlns:pvml="urn:schemas-microsoft-com:office:powerpoint" xmlns:com="http://schemas.openxmlformats.org/drawingml/2006/compatibility" xmlns:p14="http://schemas.microsoft.com/office/powerpoint/2010/main" xmlns:p15="http://schemas.microsoft.com/office/powerpoint/2012/main" xmlns:ahyp="http://schemas.microsoft.com/office/drawing/2018/hyperlinkcolor" matchingName="Two Content" showMasterSp="0">
   <p:cSld name="Two Content">
     <p:bg>
       <p:bgPr>
@@ -3487,7 +3251,7 @@
       </p:grpSpPr>
       <p:sp>
         <p:nvSpPr>
-          <p:cNvPr id="23" name="Google Shape;23;p13"/>
+          <p:cNvPr id="23" name="Google Shape;23;p12"/>
           <p:cNvSpPr/>
           <p:nvPr/>
         </p:nvSpPr>
@@ -3551,7 +3315,7 @@
       </p:sp>
       <p:sp>
         <p:nvSpPr>
-          <p:cNvPr id="24" name="Google Shape;24;p13"/>
+          <p:cNvPr id="24" name="Google Shape;24;p12"/>
           <p:cNvSpPr/>
           <p:nvPr/>
         </p:nvSpPr>
@@ -3615,7 +3379,7 @@
       </p:sp>
       <p:sp>
         <p:nvSpPr>
-          <p:cNvPr id="25" name="Google Shape;25;p13"/>
+          <p:cNvPr id="25" name="Google Shape;25;p12"/>
           <p:cNvSpPr/>
           <p:nvPr/>
         </p:nvSpPr>
@@ -3694,7 +3458,7 @@
       </p:sp>
       <p:sp>
         <p:nvSpPr>
-          <p:cNvPr id="26" name="Google Shape;26;p13"/>
+          <p:cNvPr id="26" name="Google Shape;26;p12"/>
           <p:cNvSpPr txBox="1"/>
           <p:nvPr>
             <p:ph type="title"/>
@@ -3858,7 +3622,7 @@
       </p:sp>
       <p:sp>
         <p:nvSpPr>
-          <p:cNvPr id="27" name="Google Shape;27;p13"/>
+          <p:cNvPr id="27" name="Google Shape;27;p12"/>
           <p:cNvSpPr txBox="1"/>
           <p:nvPr>
             <p:ph idx="1" type="body"/>
@@ -4014,7 +3778,7 @@
       </p:sp>
       <p:sp>
         <p:nvSpPr>
-          <p:cNvPr id="28" name="Google Shape;28;p13"/>
+          <p:cNvPr id="28" name="Google Shape;28;p12"/>
           <p:cNvSpPr txBox="1"/>
           <p:nvPr>
             <p:ph idx="2" type="body"/>
@@ -4170,7 +3934,7 @@
       </p:sp>
       <p:sp>
         <p:nvSpPr>
-          <p:cNvPr id="29" name="Google Shape;29;p13"/>
+          <p:cNvPr id="29" name="Google Shape;29;p12"/>
           <p:cNvSpPr txBox="1"/>
           <p:nvPr>
             <p:ph idx="11" type="ftr"/>
@@ -4330,7 +4094,7 @@
       </p:sp>
       <p:sp>
         <p:nvSpPr>
-          <p:cNvPr id="30" name="Google Shape;30;p13"/>
+          <p:cNvPr id="30" name="Google Shape;30;p12"/>
           <p:cNvSpPr txBox="1"/>
           <p:nvPr>
             <p:ph idx="10" type="dt"/>
@@ -4490,7 +4254,7 @@
       </p:sp>
       <p:sp>
         <p:nvSpPr>
-          <p:cNvPr id="31" name="Google Shape;31;p13"/>
+          <p:cNvPr id="31" name="Google Shape;31;p12"/>
           <p:cNvSpPr txBox="1"/>
           <p:nvPr>
             <p:ph idx="12" type="sldNum"/>
@@ -4776,7 +4540,7 @@
 </file>
 
 <file path=ppt/slideLayouts/slideLayout4.xml><?xml version="1.0" encoding="utf-8"?>
-<p:sldLayout xmlns:a="http://schemas.openxmlformats.org/drawingml/2006/main" xmlns:r="http://schemas.openxmlformats.org/officeDocument/2006/relationships" xmlns:mc="http://schemas.openxmlformats.org/markup-compatibility/2006" xmlns:mv="urn:schemas-microsoft-com:mac:vml" xmlns:p="http://schemas.openxmlformats.org/presentationml/2006/main" xmlns:c="http://schemas.openxmlformats.org/drawingml/2006/chart" xmlns:dgm="http://schemas.openxmlformats.org/drawingml/2006/diagram" xmlns:o="urn:schemas-microsoft-com:office:office" xmlns:v="urn:schemas-microsoft-com:vml" xmlns:pvml="urn:schemas-microsoft-com:office:powerpoint" xmlns:com="http://schemas.openxmlformats.org/drawingml/2006/compatibility" xmlns:p14="http://schemas.microsoft.com/office/powerpoint/2010/main" xmlns:p15="http://schemas.microsoft.com/office/powerpoint/2012/main" matchingName="Title Slide" showMasterSp="0">
+<p:sldLayout xmlns:a="http://schemas.openxmlformats.org/drawingml/2006/main" xmlns:r="http://schemas.openxmlformats.org/officeDocument/2006/relationships" xmlns:mc="http://schemas.openxmlformats.org/markup-compatibility/2006" xmlns:mv="urn:schemas-microsoft-com:mac:vml" xmlns:p="http://schemas.openxmlformats.org/presentationml/2006/main" xmlns:c="http://schemas.openxmlformats.org/drawingml/2006/chart" xmlns:dgm="http://schemas.openxmlformats.org/drawingml/2006/diagram" xmlns:o="urn:schemas-microsoft-com:office:office" xmlns:v="urn:schemas-microsoft-com:vml" xmlns:pvml="urn:schemas-microsoft-com:office:powerpoint" xmlns:com="http://schemas.openxmlformats.org/drawingml/2006/compatibility" xmlns:p14="http://schemas.microsoft.com/office/powerpoint/2010/main" xmlns:p15="http://schemas.microsoft.com/office/powerpoint/2012/main" xmlns:ahyp="http://schemas.microsoft.com/office/drawing/2018/hyperlinkcolor" matchingName="Title Slide" showMasterSp="0">
   <p:cSld name="Title Slide">
     <p:bg>
       <p:bgPr>
@@ -4801,7 +4565,7 @@
       </p:grpSpPr>
       <p:sp>
         <p:nvSpPr>
-          <p:cNvPr id="33" name="Google Shape;33;p14"/>
+          <p:cNvPr id="33" name="Google Shape;33;p13"/>
           <p:cNvSpPr/>
           <p:nvPr/>
         </p:nvSpPr>
@@ -4865,7 +4629,7 @@
       </p:sp>
       <p:sp>
         <p:nvSpPr>
-          <p:cNvPr id="34" name="Google Shape;34;p14"/>
+          <p:cNvPr id="34" name="Google Shape;34;p13"/>
           <p:cNvSpPr/>
           <p:nvPr/>
         </p:nvSpPr>
@@ -4929,7 +4693,7 @@
       </p:sp>
       <p:sp>
         <p:nvSpPr>
-          <p:cNvPr id="35" name="Google Shape;35;p14"/>
+          <p:cNvPr id="35" name="Google Shape;35;p13"/>
           <p:cNvSpPr/>
           <p:nvPr/>
         </p:nvSpPr>
@@ -5008,7 +4772,7 @@
       </p:sp>
       <p:sp>
         <p:nvSpPr>
-          <p:cNvPr id="36" name="Google Shape;36;p14"/>
+          <p:cNvPr id="36" name="Google Shape;36;p13"/>
           <p:cNvSpPr txBox="1"/>
           <p:nvPr>
             <p:ph type="ctrTitle"/>
@@ -5168,7 +4932,7 @@
       </p:sp>
       <p:sp>
         <p:nvSpPr>
-          <p:cNvPr id="37" name="Google Shape;37;p14"/>
+          <p:cNvPr id="37" name="Google Shape;37;p13"/>
           <p:cNvSpPr txBox="1"/>
           <p:nvPr>
             <p:ph idx="1" type="subTitle"/>
@@ -5332,7 +5096,7 @@
       </p:sp>
       <p:sp>
         <p:nvSpPr>
-          <p:cNvPr id="38" name="Google Shape;38;p14"/>
+          <p:cNvPr id="38" name="Google Shape;38;p13"/>
           <p:cNvSpPr txBox="1"/>
           <p:nvPr>
             <p:ph idx="11" type="ftr"/>
@@ -5492,7 +5256,7 @@
       </p:sp>
       <p:sp>
         <p:nvSpPr>
-          <p:cNvPr id="39" name="Google Shape;39;p14"/>
+          <p:cNvPr id="39" name="Google Shape;39;p13"/>
           <p:cNvSpPr txBox="1"/>
           <p:nvPr>
             <p:ph idx="10" type="dt"/>
@@ -5652,7 +5416,7 @@
       </p:sp>
       <p:sp>
         <p:nvSpPr>
-          <p:cNvPr id="40" name="Google Shape;40;p14"/>
+          <p:cNvPr id="40" name="Google Shape;40;p13"/>
           <p:cNvSpPr txBox="1"/>
           <p:nvPr>
             <p:ph idx="12" type="sldNum"/>
@@ -5938,7 +5702,7 @@
 </file>
 
 <file path=ppt/slideLayouts/slideLayout5.xml><?xml version="1.0" encoding="utf-8"?>
-<p:sldLayout xmlns:a="http://schemas.openxmlformats.org/drawingml/2006/main" xmlns:r="http://schemas.openxmlformats.org/officeDocument/2006/relationships" xmlns:mc="http://schemas.openxmlformats.org/markup-compatibility/2006" xmlns:mv="urn:schemas-microsoft-com:mac:vml" xmlns:p="http://schemas.openxmlformats.org/presentationml/2006/main" xmlns:c="http://schemas.openxmlformats.org/drawingml/2006/chart" xmlns:dgm="http://schemas.openxmlformats.org/drawingml/2006/diagram" xmlns:o="urn:schemas-microsoft-com:office:office" xmlns:v="urn:schemas-microsoft-com:vml" xmlns:pvml="urn:schemas-microsoft-com:office:powerpoint" xmlns:com="http://schemas.openxmlformats.org/drawingml/2006/compatibility" xmlns:p14="http://schemas.microsoft.com/office/powerpoint/2010/main" xmlns:p15="http://schemas.microsoft.com/office/powerpoint/2012/main" matchingName="Title Only">
+<p:sldLayout xmlns:a="http://schemas.openxmlformats.org/drawingml/2006/main" xmlns:r="http://schemas.openxmlformats.org/officeDocument/2006/relationships" xmlns:mc="http://schemas.openxmlformats.org/markup-compatibility/2006" xmlns:mv="urn:schemas-microsoft-com:mac:vml" xmlns:p="http://schemas.openxmlformats.org/presentationml/2006/main" xmlns:c="http://schemas.openxmlformats.org/drawingml/2006/chart" xmlns:dgm="http://schemas.openxmlformats.org/drawingml/2006/diagram" xmlns:o="urn:schemas-microsoft-com:office:office" xmlns:v="urn:schemas-microsoft-com:vml" xmlns:pvml="urn:schemas-microsoft-com:office:powerpoint" xmlns:com="http://schemas.openxmlformats.org/drawingml/2006/compatibility" xmlns:p14="http://schemas.microsoft.com/office/powerpoint/2010/main" xmlns:p15="http://schemas.microsoft.com/office/powerpoint/2012/main" xmlns:ahyp="http://schemas.microsoft.com/office/drawing/2018/hyperlinkcolor" matchingName="Title Only">
   <p:cSld name="Title Only">
     <p:spTree>
       <p:nvGrpSpPr>
@@ -5956,7 +5720,7 @@
       </p:grpSpPr>
       <p:sp>
         <p:nvSpPr>
-          <p:cNvPr id="42" name="Google Shape;42;p15"/>
+          <p:cNvPr id="42" name="Google Shape;42;p14"/>
           <p:cNvSpPr txBox="1"/>
           <p:nvPr>
             <p:ph type="title"/>
@@ -6120,7 +5884,7 @@
       </p:sp>
       <p:sp>
         <p:nvSpPr>
-          <p:cNvPr id="43" name="Google Shape;43;p15"/>
+          <p:cNvPr id="43" name="Google Shape;43;p14"/>
           <p:cNvSpPr txBox="1"/>
           <p:nvPr>
             <p:ph idx="11" type="ftr"/>
@@ -6280,7 +6044,7 @@
       </p:sp>
       <p:sp>
         <p:nvSpPr>
-          <p:cNvPr id="44" name="Google Shape;44;p15"/>
+          <p:cNvPr id="44" name="Google Shape;44;p14"/>
           <p:cNvSpPr txBox="1"/>
           <p:nvPr>
             <p:ph idx="10" type="dt"/>
@@ -6440,7 +6204,7 @@
       </p:sp>
       <p:sp>
         <p:nvSpPr>
-          <p:cNvPr id="45" name="Google Shape;45;p15"/>
+          <p:cNvPr id="45" name="Google Shape;45;p14"/>
           <p:cNvSpPr txBox="1"/>
           <p:nvPr>
             <p:ph idx="12" type="sldNum"/>
@@ -6726,7 +6490,7 @@
 </file>
 
 <file path=ppt/slideMasters/slideMaster1.xml><?xml version="1.0" encoding="utf-8"?>
-<p:sldMaster xmlns:a="http://schemas.openxmlformats.org/drawingml/2006/main" xmlns:r="http://schemas.openxmlformats.org/officeDocument/2006/relationships" xmlns:mc="http://schemas.openxmlformats.org/markup-compatibility/2006" xmlns:mv="urn:schemas-microsoft-com:mac:vml" xmlns:p="http://schemas.openxmlformats.org/presentationml/2006/main" xmlns:c="http://schemas.openxmlformats.org/drawingml/2006/chart" xmlns:dgm="http://schemas.openxmlformats.org/drawingml/2006/diagram" xmlns:o="urn:schemas-microsoft-com:office:office" xmlns:v="urn:schemas-microsoft-com:vml" xmlns:pvml="urn:schemas-microsoft-com:office:powerpoint" xmlns:com="http://schemas.openxmlformats.org/drawingml/2006/compatibility" xmlns:p14="http://schemas.microsoft.com/office/powerpoint/2010/main" xmlns:p15="http://schemas.microsoft.com/office/powerpoint/2012/main">
+<p:sldMaster xmlns:a="http://schemas.openxmlformats.org/drawingml/2006/main" xmlns:r="http://schemas.openxmlformats.org/officeDocument/2006/relationships" xmlns:mc="http://schemas.openxmlformats.org/markup-compatibility/2006" xmlns:mv="urn:schemas-microsoft-com:mac:vml" xmlns:p="http://schemas.openxmlformats.org/presentationml/2006/main" xmlns:c="http://schemas.openxmlformats.org/drawingml/2006/chart" xmlns:dgm="http://schemas.openxmlformats.org/drawingml/2006/diagram" xmlns:o="urn:schemas-microsoft-com:office:office" xmlns:v="urn:schemas-microsoft-com:vml" xmlns:pvml="urn:schemas-microsoft-com:office:powerpoint" xmlns:com="http://schemas.openxmlformats.org/drawingml/2006/compatibility" xmlns:p14="http://schemas.microsoft.com/office/powerpoint/2010/main" xmlns:p15="http://schemas.microsoft.com/office/powerpoint/2012/main" xmlns:ahyp="http://schemas.microsoft.com/office/drawing/2018/hyperlinkcolor">
   <p:cSld>
     <p:bg>
       <p:bgPr>
@@ -6751,7 +6515,7 @@
       </p:grpSpPr>
       <p:sp>
         <p:nvSpPr>
-          <p:cNvPr id="6" name="Google Shape;6;p10"/>
+          <p:cNvPr id="6" name="Google Shape;6;p9"/>
           <p:cNvSpPr/>
           <p:nvPr/>
         </p:nvSpPr>
@@ -6815,7 +6579,7 @@
       </p:sp>
       <p:sp>
         <p:nvSpPr>
-          <p:cNvPr id="7" name="Google Shape;7;p10"/>
+          <p:cNvPr id="7" name="Google Shape;7;p9"/>
           <p:cNvSpPr txBox="1"/>
           <p:nvPr>
             <p:ph type="title"/>
@@ -7079,7 +6843,7 @@
       </p:sp>
       <p:sp>
         <p:nvSpPr>
-          <p:cNvPr id="8" name="Google Shape;8;p10"/>
+          <p:cNvPr id="8" name="Google Shape;8;p9"/>
           <p:cNvSpPr txBox="1"/>
           <p:nvPr>
             <p:ph idx="1" type="body"/>
@@ -7343,7 +7107,7 @@
       </p:sp>
       <p:sp>
         <p:nvSpPr>
-          <p:cNvPr id="9" name="Google Shape;9;p10"/>
+          <p:cNvPr id="9" name="Google Shape;9;p9"/>
           <p:cNvSpPr txBox="1"/>
           <p:nvPr>
             <p:ph idx="11" type="ftr"/>
@@ -7607,7 +7371,7 @@
       </p:sp>
       <p:sp>
         <p:nvSpPr>
-          <p:cNvPr id="10" name="Google Shape;10;p10"/>
+          <p:cNvPr id="10" name="Google Shape;10;p9"/>
           <p:cNvSpPr txBox="1"/>
           <p:nvPr>
             <p:ph idx="10" type="dt"/>
@@ -7871,7 +7635,7 @@
       </p:sp>
       <p:sp>
         <p:nvSpPr>
-          <p:cNvPr id="11" name="Google Shape;11;p10"/>
+          <p:cNvPr id="11" name="Google Shape;11;p9"/>
           <p:cNvSpPr txBox="1"/>
           <p:nvPr>
             <p:ph idx="12" type="sldNum"/>
@@ -8856,7 +8620,7 @@
 </file>
 
 <file path=ppt/slides/slide1.xml><?xml version="1.0" encoding="utf-8"?>
-<p:sld xmlns:a="http://schemas.openxmlformats.org/drawingml/2006/main" xmlns:r="http://schemas.openxmlformats.org/officeDocument/2006/relationships" xmlns:mc="http://schemas.openxmlformats.org/markup-compatibility/2006" xmlns:mv="urn:schemas-microsoft-com:mac:vml" xmlns:p="http://schemas.openxmlformats.org/presentationml/2006/main" xmlns:c="http://schemas.openxmlformats.org/drawingml/2006/chart" xmlns:dgm="http://schemas.openxmlformats.org/drawingml/2006/diagram" xmlns:o="urn:schemas-microsoft-com:office:office" xmlns:v="urn:schemas-microsoft-com:vml" xmlns:pvml="urn:schemas-microsoft-com:office:powerpoint" xmlns:com="http://schemas.openxmlformats.org/drawingml/2006/compatibility" xmlns:p14="http://schemas.microsoft.com/office/powerpoint/2010/main" xmlns:p15="http://schemas.microsoft.com/office/powerpoint/2012/main" showMasterSp="0">
+<p:sld xmlns:a="http://schemas.openxmlformats.org/drawingml/2006/main" xmlns:r="http://schemas.openxmlformats.org/officeDocument/2006/relationships" xmlns:mc="http://schemas.openxmlformats.org/markup-compatibility/2006" xmlns:mv="urn:schemas-microsoft-com:mac:vml" xmlns:p="http://schemas.openxmlformats.org/presentationml/2006/main" xmlns:c="http://schemas.openxmlformats.org/drawingml/2006/chart" xmlns:dgm="http://schemas.openxmlformats.org/drawingml/2006/diagram" xmlns:o="urn:schemas-microsoft-com:office:office" xmlns:v="urn:schemas-microsoft-com:vml" xmlns:pvml="urn:schemas-microsoft-com:office:powerpoint" xmlns:com="http://schemas.openxmlformats.org/drawingml/2006/compatibility" xmlns:p14="http://schemas.microsoft.com/office/powerpoint/2010/main" xmlns:p15="http://schemas.microsoft.com/office/powerpoint/2012/main" xmlns:ahyp="http://schemas.microsoft.com/office/drawing/2018/hyperlinkcolor" showMasterSp="0">
   <p:cSld>
     <p:spTree>
       <p:nvGrpSpPr>
@@ -9376,7 +9140,7 @@
 </file>
 
 <file path=ppt/slides/slide2.xml><?xml version="1.0" encoding="utf-8"?>
-<p:sld xmlns:a="http://schemas.openxmlformats.org/drawingml/2006/main" xmlns:r="http://schemas.openxmlformats.org/officeDocument/2006/relationships" xmlns:mc="http://schemas.openxmlformats.org/markup-compatibility/2006" xmlns:mv="urn:schemas-microsoft-com:mac:vml" xmlns:p="http://schemas.openxmlformats.org/presentationml/2006/main" xmlns:c="http://schemas.openxmlformats.org/drawingml/2006/chart" xmlns:dgm="http://schemas.openxmlformats.org/drawingml/2006/diagram" xmlns:o="urn:schemas-microsoft-com:office:office" xmlns:v="urn:schemas-microsoft-com:vml" xmlns:pvml="urn:schemas-microsoft-com:office:powerpoint" xmlns:com="http://schemas.openxmlformats.org/drawingml/2006/compatibility" xmlns:p14="http://schemas.microsoft.com/office/powerpoint/2010/main" xmlns:p15="http://schemas.microsoft.com/office/powerpoint/2012/main">
+<p:sld xmlns:a="http://schemas.openxmlformats.org/drawingml/2006/main" xmlns:r="http://schemas.openxmlformats.org/officeDocument/2006/relationships" xmlns:mc="http://schemas.openxmlformats.org/markup-compatibility/2006" xmlns:mv="urn:schemas-microsoft-com:mac:vml" xmlns:p="http://schemas.openxmlformats.org/presentationml/2006/main" xmlns:c="http://schemas.openxmlformats.org/drawingml/2006/chart" xmlns:dgm="http://schemas.openxmlformats.org/drawingml/2006/diagram" xmlns:o="urn:schemas-microsoft-com:office:office" xmlns:v="urn:schemas-microsoft-com:vml" xmlns:pvml="urn:schemas-microsoft-com:office:powerpoint" xmlns:com="http://schemas.openxmlformats.org/drawingml/2006/compatibility" xmlns:p14="http://schemas.microsoft.com/office/powerpoint/2010/main" xmlns:p15="http://schemas.microsoft.com/office/powerpoint/2012/main" xmlns:ahyp="http://schemas.microsoft.com/office/drawing/2018/hyperlinkcolor">
   <p:cSld>
     <p:spTree>
       <p:nvGrpSpPr>
@@ -9617,7 +9381,7 @@
         <p:spPr>
           <a:xfrm>
             <a:off x="762400" y="1547200"/>
-            <a:ext cx="6045900" cy="4965000"/>
+            <a:ext cx="7287000" cy="4965000"/>
           </a:xfrm>
           <a:prstGeom prst="rect">
             <a:avLst/>
@@ -9651,15 +9415,7 @@
               <a:buAutoNum type="arabicPeriod"/>
             </a:pPr>
             <a:r>
-              <a:rPr b="0" i="0" lang="en-US" sz="3600" u="none" cap="none" strike="noStrike">
-                <a:solidFill>
-                  <a:srgbClr val="000000"/>
-                </a:solidFill>
-                <a:latin typeface="Arial"/>
-                <a:ea typeface="Arial"/>
-                <a:cs typeface="Arial"/>
-                <a:sym typeface="Arial"/>
-              </a:rPr>
+              <a:rPr lang="en-US" sz="3600"/>
               <a:t>프로그램 설명</a:t>
             </a:r>
             <a:endParaRPr b="0" i="0" sz="3600" u="none" cap="none" strike="noStrike">
@@ -9691,6 +9447,10 @@
               <a:buAutoNum type="arabicPeriod"/>
             </a:pPr>
             <a:r>
+              <a:rPr lang="en-US" sz="3600"/>
+              <a:t>타시스템연동 상세</a:t>
+            </a:r>
+            <a:r>
               <a:rPr b="0" i="0" lang="en-US" sz="3600" u="none" cap="none" strike="noStrike">
                 <a:solidFill>
                   <a:srgbClr val="000000"/>
@@ -9700,7 +9460,7 @@
                 <a:cs typeface="Arial"/>
                 <a:sym typeface="Arial"/>
               </a:rPr>
-              <a:t>요청 Parameter 설계</a:t>
+              <a:t> 설계</a:t>
             </a:r>
             <a:endParaRPr b="0" i="0" sz="3600" u="none" cap="none" strike="noStrike">
               <a:solidFill>
@@ -9713,7 +9473,7 @@
             </a:endParaRPr>
           </a:p>
           <a:p>
-            <a:pPr indent="-744220" lvl="0" marL="756285" marR="0" rtl="0" algn="l">
+            <a:pPr indent="-457200" lvl="1" marL="914400" marR="0" rtl="0" algn="l">
               <a:lnSpc>
                 <a:spcPct val="100000"/>
               </a:lnSpc>
@@ -9728,7 +9488,31 @@
               </a:buClr>
               <a:buSzPts val="3600"/>
               <a:buFont typeface="Arial"/>
-              <a:buAutoNum type="arabicPeriod"/>
+              <a:buChar char="○"/>
+            </a:pPr>
+            <a:r>
+              <a:rPr lang="en-US" sz="3600"/>
+              <a:t>요청 Parameter 설계</a:t>
+            </a:r>
+            <a:endParaRPr sz="3600"/>
+          </a:p>
+          <a:p>
+            <a:pPr indent="-457200" lvl="1" marL="914400" marR="0" rtl="0" algn="l">
+              <a:lnSpc>
+                <a:spcPct val="100000"/>
+              </a:lnSpc>
+              <a:spcBef>
+                <a:spcPts val="2160"/>
+              </a:spcBef>
+              <a:spcAft>
+                <a:spcPts val="0"/>
+              </a:spcAft>
+              <a:buClr>
+                <a:srgbClr val="000000"/>
+              </a:buClr>
+              <a:buSzPts val="3600"/>
+              <a:buFont typeface="Arial"/>
+              <a:buChar char="○"/>
             </a:pPr>
             <a:r>
               <a:rPr b="0" i="0" lang="en-US" sz="3600" u="none" cap="none" strike="noStrike">
@@ -9771,16 +9555,12 @@
               <a:buAutoNum type="arabicPeriod"/>
             </a:pPr>
             <a:r>
-              <a:rPr b="0" i="0" lang="en-US" sz="3600" u="none" cap="none" strike="noStrike">
+              <a:rPr lang="en-US" sz="3600">
                 <a:solidFill>
                   <a:schemeClr val="dk1"/>
                 </a:solidFill>
-                <a:latin typeface="Arial"/>
-                <a:ea typeface="Arial"/>
-                <a:cs typeface="Arial"/>
-                <a:sym typeface="Arial"/>
               </a:rPr>
-              <a:t>HRD net –  프로그램연결</a:t>
+              <a:t>개발 및 운영 환경에 대한 명세</a:t>
             </a:r>
             <a:endParaRPr b="0" i="0" sz="3600" u="none" cap="none" strike="noStrike">
               <a:solidFill>
@@ -9811,56 +9591,12 @@
               <a:buAutoNum type="arabicPeriod"/>
             </a:pPr>
             <a:r>
-              <a:rPr b="0" i="0" lang="en-US" sz="3600" u="none" cap="none" strike="noStrike">
+              <a:rPr lang="en-US" sz="3600">
                 <a:solidFill>
                   <a:schemeClr val="dk1"/>
                 </a:solidFill>
-                <a:latin typeface="Arial"/>
-                <a:ea typeface="Arial"/>
-                <a:cs typeface="Arial"/>
-                <a:sym typeface="Arial"/>
               </a:rPr>
-              <a:t>결과물</a:t>
-            </a:r>
-            <a:endParaRPr b="0" i="0" sz="3600" u="none" cap="none" strike="noStrike">
-              <a:solidFill>
-                <a:srgbClr val="000000"/>
-              </a:solidFill>
-              <a:latin typeface="Arial"/>
-              <a:ea typeface="Arial"/>
-              <a:cs typeface="Arial"/>
-              <a:sym typeface="Arial"/>
-            </a:endParaRPr>
-          </a:p>
-          <a:p>
-            <a:pPr indent="-744220" lvl="0" marL="756285" marR="0" rtl="0" algn="l">
-              <a:lnSpc>
-                <a:spcPct val="100000"/>
-              </a:lnSpc>
-              <a:spcBef>
-                <a:spcPts val="2160"/>
-              </a:spcBef>
-              <a:spcAft>
-                <a:spcPts val="0"/>
-              </a:spcAft>
-              <a:buClr>
-                <a:srgbClr val="000000"/>
-              </a:buClr>
-              <a:buSzPts val="3600"/>
-              <a:buFont typeface="Arial"/>
-              <a:buAutoNum type="arabicPeriod"/>
-            </a:pPr>
-            <a:r>
-              <a:rPr b="0" i="0" lang="en-US" sz="3600" u="none" cap="none" strike="noStrike">
-                <a:solidFill>
-                  <a:schemeClr val="dk1"/>
-                </a:solidFill>
-                <a:latin typeface="Arial"/>
-                <a:ea typeface="Arial"/>
-                <a:cs typeface="Arial"/>
-                <a:sym typeface="Arial"/>
-              </a:rPr>
-              <a:t>연동하면서 어려웠던 점</a:t>
+              <a:t>예외처리 및 오류예측 제시</a:t>
             </a:r>
             <a:endParaRPr b="0" i="0" sz="3600" u="none" cap="none" strike="noStrike">
               <a:solidFill>
@@ -10013,7 +9749,7 @@
 </file>
 
 <file path=ppt/slides/slide3.xml><?xml version="1.0" encoding="utf-8"?>
-<p:sld xmlns:a="http://schemas.openxmlformats.org/drawingml/2006/main" xmlns:r="http://schemas.openxmlformats.org/officeDocument/2006/relationships" xmlns:mc="http://schemas.openxmlformats.org/markup-compatibility/2006" xmlns:mv="urn:schemas-microsoft-com:mac:vml" xmlns:p="http://schemas.openxmlformats.org/presentationml/2006/main" xmlns:c="http://schemas.openxmlformats.org/drawingml/2006/chart" xmlns:dgm="http://schemas.openxmlformats.org/drawingml/2006/diagram" xmlns:o="urn:schemas-microsoft-com:office:office" xmlns:v="urn:schemas-microsoft-com:vml" xmlns:pvml="urn:schemas-microsoft-com:office:powerpoint" xmlns:com="http://schemas.openxmlformats.org/drawingml/2006/compatibility" xmlns:p14="http://schemas.microsoft.com/office/powerpoint/2010/main" xmlns:p15="http://schemas.microsoft.com/office/powerpoint/2012/main">
+<p:sld xmlns:a="http://schemas.openxmlformats.org/drawingml/2006/main" xmlns:r="http://schemas.openxmlformats.org/officeDocument/2006/relationships" xmlns:mc="http://schemas.openxmlformats.org/markup-compatibility/2006" xmlns:mv="urn:schemas-microsoft-com:mac:vml" xmlns:p="http://schemas.openxmlformats.org/presentationml/2006/main" xmlns:c="http://schemas.openxmlformats.org/drawingml/2006/chart" xmlns:dgm="http://schemas.openxmlformats.org/drawingml/2006/diagram" xmlns:o="urn:schemas-microsoft-com:office:office" xmlns:v="urn:schemas-microsoft-com:vml" xmlns:pvml="urn:schemas-microsoft-com:office:powerpoint" xmlns:com="http://schemas.openxmlformats.org/drawingml/2006/compatibility" xmlns:p14="http://schemas.microsoft.com/office/powerpoint/2010/main" xmlns:p15="http://schemas.microsoft.com/office/powerpoint/2012/main" xmlns:ahyp="http://schemas.microsoft.com/office/drawing/2018/hyperlinkcolor">
   <p:cSld>
     <p:spTree>
       <p:nvGrpSpPr>
@@ -10359,7 +10095,7 @@
             </a:pPr>
             <a:r>
               <a:rPr lang="en-US" sz="1600"/>
-              <a:t>미들웨어 솔루션 명세 작성: 학습모듈 서식을 참조하여 DB, WAS, JDK 정보등 입력</a:t>
+              <a:t>연동 설계에 대한 가이드 라인 개략 설명</a:t>
             </a:r>
             <a:endParaRPr b="0" i="0" sz="1600" u="none" cap="none" strike="noStrike">
               <a:solidFill>
@@ -10533,23 +10269,82 @@
                 <a:spcPts val="0"/>
               </a:spcAft>
               <a:buClr>
-                <a:srgbClr val="000000"/>
+                <a:schemeClr val="dk1"/>
               </a:buClr>
-              <a:buSzPts val="1800"/>
+              <a:buSzPts val="1100"/>
               <a:buFont typeface="Arial"/>
+              <a:buNone/>
+            </a:pPr>
+            <a:r>
+              <a:rPr b="0" i="0" lang="en-US" sz="1450" u="none" cap="none" strike="noStrike">
+                <a:solidFill>
+                  <a:srgbClr val="666666"/>
+                </a:solidFill>
+                <a:highlight>
+                  <a:srgbClr val="FFFFFF"/>
+                </a:highlight>
+                <a:latin typeface="Malgun Gothic"/>
+                <a:ea typeface="Malgun Gothic"/>
+                <a:cs typeface="Malgun Gothic"/>
+                <a:sym typeface="Malgun Gothic"/>
+              </a:rPr>
+              <a:t>한국고용정보원 HRD-Net 시스템에서는 구직자, 근로자, 기업 대상의 훈련과정 정보를 오픈(OPEN) API를 통해 제공받고</a:t>
+            </a:r>
+            <a:r>
+              <a:rPr lang="en-US" sz="1450">
+                <a:solidFill>
+                  <a:srgbClr val="666666"/>
+                </a:solidFill>
+                <a:highlight>
+                  <a:srgbClr val="FFFFFF"/>
+                </a:highlight>
+                <a:latin typeface="Malgun Gothic"/>
+                <a:ea typeface="Malgun Gothic"/>
+                <a:cs typeface="Malgun Gothic"/>
+                <a:sym typeface="Malgun Gothic"/>
+              </a:rPr>
+              <a:t>... 내용 추가</a:t>
+            </a:r>
+            <a:endParaRPr b="0" i="0" sz="1450" u="none" cap="none" strike="noStrike">
+              <a:solidFill>
+                <a:srgbClr val="666666"/>
+              </a:solidFill>
+              <a:highlight>
+                <a:srgbClr val="FFFFFF"/>
+              </a:highlight>
+              <a:latin typeface="Malgun Gothic"/>
+              <a:ea typeface="Malgun Gothic"/>
+              <a:cs typeface="Malgun Gothic"/>
+              <a:sym typeface="Malgun Gothic"/>
+            </a:endParaRPr>
+          </a:p>
+          <a:p>
+            <a:pPr indent="0" lvl="0" marL="0" marR="1651000" rtl="0" algn="l">
+              <a:lnSpc>
+                <a:spcPct val="100000"/>
+              </a:lnSpc>
+              <a:spcBef>
+                <a:spcPts val="1000"/>
+              </a:spcBef>
+              <a:spcAft>
+                <a:spcPts val="0"/>
+              </a:spcAft>
               <a:buNone/>
             </a:pPr>
             <a:r>
               <a:t/>
             </a:r>
-            <a:endParaRPr b="0" i="0" sz="1800" u="none" cap="none" strike="noStrike">
+            <a:endParaRPr sz="1450">
               <a:solidFill>
-                <a:srgbClr val="000000"/>
+                <a:srgbClr val="666666"/>
               </a:solidFill>
-              <a:latin typeface="Arial"/>
-              <a:ea typeface="Arial"/>
-              <a:cs typeface="Arial"/>
-              <a:sym typeface="Arial"/>
+              <a:highlight>
+                <a:srgbClr val="FFFFFF"/>
+              </a:highlight>
+              <a:latin typeface="Malgun Gothic"/>
+              <a:ea typeface="Malgun Gothic"/>
+              <a:cs typeface="Malgun Gothic"/>
+              <a:sym typeface="Malgun Gothic"/>
             </a:endParaRPr>
           </a:p>
         </p:txBody>
@@ -10563,7 +10358,7 @@
 </file>
 
 <file path=ppt/slides/slide4.xml><?xml version="1.0" encoding="utf-8"?>
-<p:sld xmlns:a="http://schemas.openxmlformats.org/drawingml/2006/main" xmlns:r="http://schemas.openxmlformats.org/officeDocument/2006/relationships" xmlns:mc="http://schemas.openxmlformats.org/markup-compatibility/2006" xmlns:mv="urn:schemas-microsoft-com:mac:vml" xmlns:p="http://schemas.openxmlformats.org/presentationml/2006/main" xmlns:c="http://schemas.openxmlformats.org/drawingml/2006/chart" xmlns:dgm="http://schemas.openxmlformats.org/drawingml/2006/diagram" xmlns:o="urn:schemas-microsoft-com:office:office" xmlns:v="urn:schemas-microsoft-com:vml" xmlns:pvml="urn:schemas-microsoft-com:office:powerpoint" xmlns:com="http://schemas.openxmlformats.org/drawingml/2006/compatibility" xmlns:p14="http://schemas.microsoft.com/office/powerpoint/2010/main" xmlns:p15="http://schemas.microsoft.com/office/powerpoint/2012/main" showMasterSp="0">
+<p:sld xmlns:a="http://schemas.openxmlformats.org/drawingml/2006/main" xmlns:r="http://schemas.openxmlformats.org/officeDocument/2006/relationships" xmlns:mc="http://schemas.openxmlformats.org/markup-compatibility/2006" xmlns:mv="urn:schemas-microsoft-com:mac:vml" xmlns:p="http://schemas.openxmlformats.org/presentationml/2006/main" xmlns:c="http://schemas.openxmlformats.org/drawingml/2006/chart" xmlns:dgm="http://schemas.openxmlformats.org/drawingml/2006/diagram" xmlns:o="urn:schemas-microsoft-com:office:office" xmlns:v="urn:schemas-microsoft-com:vml" xmlns:pvml="urn:schemas-microsoft-com:office:powerpoint" xmlns:com="http://schemas.openxmlformats.org/drawingml/2006/compatibility" xmlns:p14="http://schemas.microsoft.com/office/powerpoint/2010/main" xmlns:p15="http://schemas.microsoft.com/office/powerpoint/2012/main" xmlns:ahyp="http://schemas.microsoft.com/office/drawing/2018/hyperlinkcolor" showMasterSp="0">
   <p:cSld>
     <p:spTree>
       <p:nvGrpSpPr>
@@ -10811,8 +10606,8 @@
         </p:nvSpPr>
         <p:spPr>
           <a:xfrm>
-            <a:off x="238740" y="870025"/>
-            <a:ext cx="4944900" cy="574800"/>
+            <a:off x="238751" y="870025"/>
+            <a:ext cx="5626200" cy="574800"/>
           </a:xfrm>
           <a:prstGeom prst="rect">
             <a:avLst/>
@@ -10848,7 +10643,7 @@
                 <a:cs typeface="Arial"/>
                 <a:sym typeface="Arial"/>
               </a:rPr>
-              <a:t>2.	</a:t>
+              <a:t>2-1.	</a:t>
             </a:r>
             <a:r>
               <a:rPr lang="en-US" sz="3600"/>
@@ -10953,7 +10748,7 @@
             <a:tbl>
               <a:tblPr bandRow="1" firstRow="1">
                 <a:noFill/>
-                <a:tableStyleId>{0E524772-A61A-42AA-BE47-EB8D54E3FFA7}</a:tableStyleId>
+                <a:tableStyleId>{32CD45D3-3564-4197-ACDC-ACBC4FC441F1}</a:tableStyleId>
               </a:tblPr>
               <a:tblGrid>
                 <a:gridCol w="960000"/>
@@ -11287,7 +11082,16 @@
                         <a:buNone/>
                       </a:pPr>
                       <a:r>
-                        <a:t/>
+                        <a:rPr lang="en-US" sz="1000" u="none" cap="none" strike="noStrike">
+                          <a:highlight>
+                            <a:srgbClr val="FFFFFF"/>
+                          </a:highlight>
+                          <a:latin typeface="Malgun Gothic"/>
+                          <a:ea typeface="Malgun Gothic"/>
+                          <a:cs typeface="Malgun Gothic"/>
+                          <a:sym typeface="Malgun Gothic"/>
+                        </a:rPr>
+                        <a:t>srchTraArea1</a:t>
                       </a:r>
                       <a:endParaRPr sz="1400" u="none" cap="none" strike="noStrike"/>
                     </a:p>
@@ -11354,7 +11158,16 @@
                         <a:buNone/>
                       </a:pPr>
                       <a:r>
-                        <a:t/>
+                        <a:rPr lang="en-US" sz="1000" u="none" cap="none" strike="noStrike">
+                          <a:highlight>
+                            <a:srgbClr val="FFFFFF"/>
+                          </a:highlight>
+                          <a:latin typeface="Malgun Gothic"/>
+                          <a:ea typeface="Malgun Gothic"/>
+                          <a:cs typeface="Malgun Gothic"/>
+                          <a:sym typeface="Malgun Gothic"/>
+                        </a:rPr>
+                        <a:t>string</a:t>
                       </a:r>
                       <a:endParaRPr sz="1400" u="none" cap="none" strike="noStrike"/>
                     </a:p>
@@ -11421,7 +11234,8 @@
                         <a:buNone/>
                       </a:pPr>
                       <a:r>
-                        <a:t/>
+                        <a:rPr lang="en-US" sz="1400" u="none" cap="none" strike="noStrike"/>
+                        <a:t>선택</a:t>
                       </a:r>
                       <a:endParaRPr sz="1400" u="none" cap="none" strike="noStrike"/>
                     </a:p>
@@ -11488,9 +11302,78 @@
                         <a:buNone/>
                       </a:pPr>
                       <a:r>
-                        <a:t/>
+                        <a:rPr lang="en-US" sz="1000" u="none" cap="none" strike="noStrike">
+                          <a:solidFill>
+                            <a:srgbClr val="666666"/>
+                          </a:solidFill>
+                          <a:highlight>
+                            <a:srgbClr val="FFFFFF"/>
+                          </a:highlight>
+                          <a:latin typeface="Malgun Gothic"/>
+                          <a:ea typeface="Malgun Gothic"/>
+                          <a:cs typeface="Malgun Gothic"/>
+                          <a:sym typeface="Malgun Gothic"/>
+                        </a:rPr>
+                        <a:t>훈련지역 대분류 : 11' : 서울, '26' : 부산, '27' : 대구, '28' : 인천 '29' : 광주, '30' : 대전, '31' : 울산, '36' : 세종, '41' : 경기, '42' : 강원, '43' : 충북, '44' : 충남, '45' : 전북, '46' : 전남, '47' : 경북, '48' : 경남, '50' : 제주</a:t>
                       </a:r>
-                      <a:endParaRPr sz="1400" u="none" cap="none" strike="noStrike"/>
+                      <a:endParaRPr sz="1000" u="none" cap="none" strike="noStrike">
+                        <a:solidFill>
+                          <a:srgbClr val="666666"/>
+                        </a:solidFill>
+                        <a:highlight>
+                          <a:srgbClr val="FFFFFF"/>
+                        </a:highlight>
+                        <a:latin typeface="Malgun Gothic"/>
+                        <a:ea typeface="Malgun Gothic"/>
+                        <a:cs typeface="Malgun Gothic"/>
+                        <a:sym typeface="Malgun Gothic"/>
+                      </a:endParaRPr>
+                    </a:p>
+                    <a:p>
+                      <a:pPr indent="0" lvl="0" marL="0" marR="0" rtl="0" algn="l">
+                        <a:lnSpc>
+                          <a:spcPct val="100000"/>
+                        </a:lnSpc>
+                        <a:spcBef>
+                          <a:spcPts val="0"/>
+                        </a:spcBef>
+                        <a:spcAft>
+                          <a:spcPts val="0"/>
+                        </a:spcAft>
+                        <a:buClr>
+                          <a:srgbClr val="000000"/>
+                        </a:buClr>
+                        <a:buSzPts val="1400"/>
+                        <a:buFont typeface="Arial"/>
+                        <a:buNone/>
+                      </a:pPr>
+                      <a:r>
+                        <a:rPr lang="en-US" sz="1000" u="none" cap="none" strike="noStrike">
+                          <a:solidFill>
+                            <a:srgbClr val="666666"/>
+                          </a:solidFill>
+                          <a:highlight>
+                            <a:srgbClr val="FFFFFF"/>
+                          </a:highlight>
+                          <a:latin typeface="Malgun Gothic"/>
+                          <a:ea typeface="Malgun Gothic"/>
+                          <a:cs typeface="Malgun Gothic"/>
+                          <a:sym typeface="Malgun Gothic"/>
+                        </a:rPr>
+                        <a:t>* 전체일 경우에는 옵션 파라미터의 미등록처리</a:t>
+                      </a:r>
+                      <a:endParaRPr sz="1000" u="none" cap="none" strike="noStrike">
+                        <a:solidFill>
+                          <a:srgbClr val="666666"/>
+                        </a:solidFill>
+                        <a:highlight>
+                          <a:srgbClr val="FFFFFF"/>
+                        </a:highlight>
+                        <a:latin typeface="Malgun Gothic"/>
+                        <a:ea typeface="Malgun Gothic"/>
+                        <a:cs typeface="Malgun Gothic"/>
+                        <a:sym typeface="Malgun Gothic"/>
+                      </a:endParaRPr>
                     </a:p>
                   </a:txBody>
                   <a:tcPr marT="41275" marB="0" marR="0" marL="0">
@@ -14246,7 +14129,7 @@
 </file>
 
 <file path=ppt/slides/slide5.xml><?xml version="1.0" encoding="utf-8"?>
-<p:sld xmlns:a="http://schemas.openxmlformats.org/drawingml/2006/main" xmlns:r="http://schemas.openxmlformats.org/officeDocument/2006/relationships" xmlns:mc="http://schemas.openxmlformats.org/markup-compatibility/2006" xmlns:mv="urn:schemas-microsoft-com:mac:vml" xmlns:p="http://schemas.openxmlformats.org/presentationml/2006/main" xmlns:c="http://schemas.openxmlformats.org/drawingml/2006/chart" xmlns:dgm="http://schemas.openxmlformats.org/drawingml/2006/diagram" xmlns:o="urn:schemas-microsoft-com:office:office" xmlns:v="urn:schemas-microsoft-com:vml" xmlns:pvml="urn:schemas-microsoft-com:office:powerpoint" xmlns:com="http://schemas.openxmlformats.org/drawingml/2006/compatibility" xmlns:p14="http://schemas.microsoft.com/office/powerpoint/2010/main" xmlns:p15="http://schemas.microsoft.com/office/powerpoint/2012/main" showMasterSp="0">
+<p:sld xmlns:a="http://schemas.openxmlformats.org/drawingml/2006/main" xmlns:r="http://schemas.openxmlformats.org/officeDocument/2006/relationships" xmlns:mc="http://schemas.openxmlformats.org/markup-compatibility/2006" xmlns:mv="urn:schemas-microsoft-com:mac:vml" xmlns:p="http://schemas.openxmlformats.org/presentationml/2006/main" xmlns:c="http://schemas.openxmlformats.org/drawingml/2006/chart" xmlns:dgm="http://schemas.openxmlformats.org/drawingml/2006/diagram" xmlns:o="urn:schemas-microsoft-com:office:office" xmlns:v="urn:schemas-microsoft-com:vml" xmlns:pvml="urn:schemas-microsoft-com:office:powerpoint" xmlns:com="http://schemas.openxmlformats.org/drawingml/2006/compatibility" xmlns:p14="http://schemas.microsoft.com/office/powerpoint/2010/main" xmlns:p15="http://schemas.microsoft.com/office/powerpoint/2012/main" xmlns:ahyp="http://schemas.microsoft.com/office/drawing/2018/hyperlinkcolor" showMasterSp="0">
   <p:cSld>
     <p:spTree>
       <p:nvGrpSpPr>
@@ -14494,8 +14377,8 @@
         </p:nvSpPr>
         <p:spPr>
           <a:xfrm>
-            <a:off x="238740" y="870025"/>
-            <a:ext cx="4944900" cy="574800"/>
+            <a:off x="238752" y="870025"/>
+            <a:ext cx="5718900" cy="574800"/>
           </a:xfrm>
           <a:prstGeom prst="rect">
             <a:avLst/>
@@ -14526,7 +14409,7 @@
             </a:pPr>
             <a:r>
               <a:rPr lang="en-US" sz="3600"/>
-              <a:t>3</a:t>
+              <a:t>2-2</a:t>
             </a:r>
             <a:r>
               <a:rPr b="0" lang="en-US" sz="3600">
@@ -14640,7 +14523,7 @@
             <a:tbl>
               <a:tblPr bandRow="1" firstRow="1">
                 <a:noFill/>
-                <a:tableStyleId>{0E524772-A61A-42AA-BE47-EB8D54E3FFA7}</a:tableStyleId>
+                <a:tableStyleId>{32CD45D3-3564-4197-ACDC-ACBC4FC441F1}</a:tableStyleId>
               </a:tblPr>
               <a:tblGrid>
                 <a:gridCol w="960000"/>
@@ -14837,7 +14720,7 @@
                           <a:cs typeface="Arial"/>
                           <a:sym typeface="Arial"/>
                         </a:rPr>
-                        <a:t>필수여부</a:t>
+                        <a:t>설명</a:t>
                       </a:r>
                       <a:endParaRPr b="0" sz="1800" u="none" cap="none" strike="noStrike">
                         <a:solidFill>
@@ -14915,7 +14798,7 @@
                           <a:cs typeface="Arial"/>
                           <a:sym typeface="Arial"/>
                         </a:rPr>
-                        <a:t>설명</a:t>
+                        <a:t>비고</a:t>
                       </a:r>
                       <a:endParaRPr sz="1800" u="none" cap="none" strike="noStrike">
                         <a:latin typeface="Arial"/>
@@ -14974,7 +14857,19 @@
                         <a:buNone/>
                       </a:pPr>
                       <a:r>
-                        <a:t/>
+                        <a:rPr lang="en-US" sz="1000" u="none" cap="none" strike="noStrike">
+                          <a:solidFill>
+                            <a:srgbClr val="666666"/>
+                          </a:solidFill>
+                          <a:highlight>
+                            <a:srgbClr val="FFFFFF"/>
+                          </a:highlight>
+                          <a:latin typeface="Malgun Gothic"/>
+                          <a:ea typeface="Malgun Gothic"/>
+                          <a:cs typeface="Malgun Gothic"/>
+                          <a:sym typeface="Malgun Gothic"/>
+                        </a:rPr>
+                        <a:t>REG_COURSE_MAN</a:t>
                       </a:r>
                       <a:endParaRPr sz="1400" u="none" cap="none" strike="noStrike"/>
                     </a:p>
@@ -15041,7 +14936,19 @@
                         <a:buNone/>
                       </a:pPr>
                       <a:r>
-                        <a:t/>
+                        <a:rPr lang="en-US" sz="1000" u="none" cap="none" strike="noStrike">
+                          <a:solidFill>
+                            <a:srgbClr val="666666"/>
+                          </a:solidFill>
+                          <a:highlight>
+                            <a:srgbClr val="FFFFFF"/>
+                          </a:highlight>
+                          <a:latin typeface="Malgun Gothic"/>
+                          <a:ea typeface="Malgun Gothic"/>
+                          <a:cs typeface="Malgun Gothic"/>
+                          <a:sym typeface="Malgun Gothic"/>
+                        </a:rPr>
+                        <a:t>string</a:t>
                       </a:r>
                       <a:endParaRPr sz="1400" u="none" cap="none" strike="noStrike"/>
                     </a:p>
@@ -15108,7 +15015,19 @@
                         <a:buNone/>
                       </a:pPr>
                       <a:r>
-                        <a:t/>
+                        <a:rPr lang="en-US" sz="1000" u="none" cap="none" strike="noStrike">
+                          <a:solidFill>
+                            <a:srgbClr val="666666"/>
+                          </a:solidFill>
+                          <a:highlight>
+                            <a:srgbClr val="FFFFFF"/>
+                          </a:highlight>
+                          <a:latin typeface="Malgun Gothic"/>
+                          <a:ea typeface="Malgun Gothic"/>
+                          <a:cs typeface="Malgun Gothic"/>
+                          <a:sym typeface="Malgun Gothic"/>
+                        </a:rPr>
+                        <a:t>수강신청 인원</a:t>
                       </a:r>
                       <a:endParaRPr sz="1400" u="none" cap="none" strike="noStrike"/>
                     </a:p>
@@ -15175,7 +15094,19 @@
                         <a:buNone/>
                       </a:pPr>
                       <a:r>
-                        <a:t/>
+                        <a:rPr lang="en-US" sz="1000" u="none" cap="none" strike="noStrike">
+                          <a:solidFill>
+                            <a:srgbClr val="666666"/>
+                          </a:solidFill>
+                          <a:highlight>
+                            <a:srgbClr val="FFFFFF"/>
+                          </a:highlight>
+                          <a:latin typeface="Malgun Gothic"/>
+                          <a:ea typeface="Malgun Gothic"/>
+                          <a:cs typeface="Malgun Gothic"/>
+                          <a:sym typeface="Malgun Gothic"/>
+                        </a:rPr>
+                        <a:t>&lt;regCourseMan&gt;&lt;/regCourseMan&gt;</a:t>
                       </a:r>
                       <a:endParaRPr sz="1400" u="none" cap="none" strike="noStrike"/>
                     </a:p>
@@ -17933,7 +17864,7 @@
 </file>
 
 <file path=ppt/slides/slide6.xml><?xml version="1.0" encoding="utf-8"?>
-<p:sld xmlns:a="http://schemas.openxmlformats.org/drawingml/2006/main" xmlns:r="http://schemas.openxmlformats.org/officeDocument/2006/relationships" xmlns:mc="http://schemas.openxmlformats.org/markup-compatibility/2006" xmlns:mv="urn:schemas-microsoft-com:mac:vml" xmlns:p="http://schemas.openxmlformats.org/presentationml/2006/main" xmlns:c="http://schemas.openxmlformats.org/drawingml/2006/chart" xmlns:dgm="http://schemas.openxmlformats.org/drawingml/2006/diagram" xmlns:o="urn:schemas-microsoft-com:office:office" xmlns:v="urn:schemas-microsoft-com:vml" xmlns:pvml="urn:schemas-microsoft-com:office:powerpoint" xmlns:com="http://schemas.openxmlformats.org/drawingml/2006/compatibility" xmlns:p14="http://schemas.microsoft.com/office/powerpoint/2010/main" xmlns:p15="http://schemas.microsoft.com/office/powerpoint/2012/main">
+<p:sld xmlns:a="http://schemas.openxmlformats.org/drawingml/2006/main" xmlns:r="http://schemas.openxmlformats.org/officeDocument/2006/relationships" xmlns:mc="http://schemas.openxmlformats.org/markup-compatibility/2006" xmlns:mv="urn:schemas-microsoft-com:mac:vml" xmlns:p="http://schemas.openxmlformats.org/presentationml/2006/main" xmlns:c="http://schemas.openxmlformats.org/drawingml/2006/chart" xmlns:dgm="http://schemas.openxmlformats.org/drawingml/2006/diagram" xmlns:o="urn:schemas-microsoft-com:office:office" xmlns:v="urn:schemas-microsoft-com:vml" xmlns:pvml="urn:schemas-microsoft-com:office:powerpoint" xmlns:com="http://schemas.openxmlformats.org/drawingml/2006/compatibility" xmlns:p14="http://schemas.microsoft.com/office/powerpoint/2010/main" xmlns:p15="http://schemas.microsoft.com/office/powerpoint/2012/main" xmlns:ahyp="http://schemas.microsoft.com/office/drawing/2018/hyperlinkcolor">
   <p:cSld>
     <p:spTree>
       <p:nvGrpSpPr>
@@ -18118,7 +18049,7 @@
         <p:spPr>
           <a:xfrm>
             <a:off x="238750" y="870025"/>
-            <a:ext cx="5738700" cy="574800"/>
+            <a:ext cx="6936900" cy="574800"/>
           </a:xfrm>
           <a:prstGeom prst="rect">
             <a:avLst/>
@@ -18149,7 +18080,7 @@
             </a:pPr>
             <a:r>
               <a:rPr lang="en-US" sz="3600"/>
-              <a:t>4</a:t>
+              <a:t>3</a:t>
             </a:r>
             <a:r>
               <a:rPr b="0" lang="en-US" sz="3600">
@@ -18162,20 +18093,7 @@
             </a:r>
             <a:r>
               <a:rPr lang="en-US" sz="3600"/>
-              <a:t>HRD net - </a:t>
-            </a:r>
-            <a:r>
-              <a:rPr b="0" lang="en-US" sz="3600">
-                <a:latin typeface="Arial"/>
-                <a:ea typeface="Arial"/>
-                <a:cs typeface="Arial"/>
-                <a:sym typeface="Arial"/>
-              </a:rPr>
-              <a:t>프로그램 </a:t>
-            </a:r>
-            <a:r>
-              <a:rPr lang="en-US" sz="3600"/>
-              <a:t>연결</a:t>
+              <a:t>개발 및 운영환경에 대한 명세</a:t>
             </a:r>
             <a:endParaRPr sz="3600">
               <a:latin typeface="Arial"/>
@@ -18277,7 +18195,245 @@
           </a:bodyPr>
           <a:lstStyle/>
           <a:p>
-            <a:pPr indent="80645" lvl="0" marL="12700" marR="5080" rtl="0" algn="l">
+            <a:pPr indent="0" lvl="0" marL="0" marR="1651000" rtl="0" algn="l">
+              <a:spcBef>
+                <a:spcPts val="1000"/>
+              </a:spcBef>
+              <a:spcAft>
+                <a:spcPts val="0"/>
+              </a:spcAft>
+              <a:buClr>
+                <a:schemeClr val="dk1"/>
+              </a:buClr>
+              <a:buSzPts val="1100"/>
+              <a:buFont typeface="Arial"/>
+              <a:buNone/>
+            </a:pPr>
+            <a:r>
+              <a:rPr lang="en-US" sz="1450">
+                <a:solidFill>
+                  <a:srgbClr val="666666"/>
+                </a:solidFill>
+                <a:highlight>
+                  <a:schemeClr val="lt1"/>
+                </a:highlight>
+                <a:latin typeface="Malgun Gothic"/>
+                <a:ea typeface="Malgun Gothic"/>
+                <a:cs typeface="Malgun Gothic"/>
+                <a:sym typeface="Malgun Gothic"/>
+              </a:rPr>
+              <a:t>개발환경 내역</a:t>
+            </a:r>
+            <a:endParaRPr sz="1450">
+              <a:solidFill>
+                <a:srgbClr val="666666"/>
+              </a:solidFill>
+              <a:highlight>
+                <a:schemeClr val="lt1"/>
+              </a:highlight>
+              <a:latin typeface="Malgun Gothic"/>
+              <a:ea typeface="Malgun Gothic"/>
+              <a:cs typeface="Malgun Gothic"/>
+              <a:sym typeface="Malgun Gothic"/>
+            </a:endParaRPr>
+          </a:p>
+          <a:p>
+            <a:pPr indent="-320675" lvl="0" marL="457200" marR="1651000" rtl="0" algn="l">
+              <a:spcBef>
+                <a:spcPts val="1000"/>
+              </a:spcBef>
+              <a:spcAft>
+                <a:spcPts val="0"/>
+              </a:spcAft>
+              <a:buClr>
+                <a:srgbClr val="666666"/>
+              </a:buClr>
+              <a:buSzPts val="1450"/>
+              <a:buFont typeface="Malgun Gothic"/>
+              <a:buChar char="-"/>
+            </a:pPr>
+            <a:r>
+              <a:rPr lang="en-US" sz="1450">
+                <a:solidFill>
+                  <a:srgbClr val="666666"/>
+                </a:solidFill>
+                <a:highlight>
+                  <a:schemeClr val="lt1"/>
+                </a:highlight>
+                <a:latin typeface="Malgun Gothic"/>
+                <a:ea typeface="Malgun Gothic"/>
+                <a:cs typeface="Malgun Gothic"/>
+                <a:sym typeface="Malgun Gothic"/>
+              </a:rPr>
+              <a:t>개발툴: 이클립스 포톤버전/전자정부개발IDE 3.9버전</a:t>
+            </a:r>
+            <a:endParaRPr sz="1450">
+              <a:solidFill>
+                <a:srgbClr val="666666"/>
+              </a:solidFill>
+              <a:highlight>
+                <a:schemeClr val="lt1"/>
+              </a:highlight>
+              <a:latin typeface="Malgun Gothic"/>
+              <a:ea typeface="Malgun Gothic"/>
+              <a:cs typeface="Malgun Gothic"/>
+              <a:sym typeface="Malgun Gothic"/>
+            </a:endParaRPr>
+          </a:p>
+          <a:p>
+            <a:pPr indent="-320675" lvl="0" marL="457200" marR="1651000" rtl="0" algn="l">
+              <a:spcBef>
+                <a:spcPts val="0"/>
+              </a:spcBef>
+              <a:spcAft>
+                <a:spcPts val="0"/>
+              </a:spcAft>
+              <a:buClr>
+                <a:srgbClr val="666666"/>
+              </a:buClr>
+              <a:buSzPts val="1450"/>
+              <a:buFont typeface="Malgun Gothic"/>
+              <a:buChar char="-"/>
+            </a:pPr>
+            <a:r>
+              <a:rPr lang="en-US" sz="1450">
+                <a:solidFill>
+                  <a:srgbClr val="666666"/>
+                </a:solidFill>
+                <a:highlight>
+                  <a:schemeClr val="lt1"/>
+                </a:highlight>
+                <a:latin typeface="Malgun Gothic"/>
+                <a:ea typeface="Malgun Gothic"/>
+                <a:cs typeface="Malgun Gothic"/>
+                <a:sym typeface="Malgun Gothic"/>
+              </a:rPr>
+              <a:t>JDK버전:학생이 작성해 주시면 됩니다.(오픈JDK버전확인)</a:t>
+            </a:r>
+            <a:endParaRPr sz="1450">
+              <a:solidFill>
+                <a:srgbClr val="666666"/>
+              </a:solidFill>
+              <a:highlight>
+                <a:schemeClr val="lt1"/>
+              </a:highlight>
+              <a:latin typeface="Malgun Gothic"/>
+              <a:ea typeface="Malgun Gothic"/>
+              <a:cs typeface="Malgun Gothic"/>
+              <a:sym typeface="Malgun Gothic"/>
+            </a:endParaRPr>
+          </a:p>
+          <a:p>
+            <a:pPr indent="-320675" lvl="0" marL="457200" marR="1651000" rtl="0" algn="l">
+              <a:spcBef>
+                <a:spcPts val="0"/>
+              </a:spcBef>
+              <a:spcAft>
+                <a:spcPts val="0"/>
+              </a:spcAft>
+              <a:buClr>
+                <a:srgbClr val="666666"/>
+              </a:buClr>
+              <a:buSzPts val="1450"/>
+              <a:buFont typeface="Malgun Gothic"/>
+              <a:buChar char="-"/>
+            </a:pPr>
+            <a:r>
+              <a:rPr lang="en-US" sz="1450">
+                <a:solidFill>
+                  <a:srgbClr val="666666"/>
+                </a:solidFill>
+                <a:highlight>
+                  <a:schemeClr val="lt1"/>
+                </a:highlight>
+                <a:latin typeface="Malgun Gothic"/>
+                <a:ea typeface="Malgun Gothic"/>
+                <a:cs typeface="Malgun Gothic"/>
+                <a:sym typeface="Malgun Gothic"/>
+              </a:rPr>
+              <a:t>사용프로토콜: http</a:t>
+            </a:r>
+            <a:endParaRPr sz="1450">
+              <a:solidFill>
+                <a:srgbClr val="666666"/>
+              </a:solidFill>
+              <a:highlight>
+                <a:schemeClr val="lt1"/>
+              </a:highlight>
+              <a:latin typeface="Malgun Gothic"/>
+              <a:ea typeface="Malgun Gothic"/>
+              <a:cs typeface="Malgun Gothic"/>
+              <a:sym typeface="Malgun Gothic"/>
+            </a:endParaRPr>
+          </a:p>
+          <a:p>
+            <a:pPr indent="-320675" lvl="0" marL="457200" marR="1651000" rtl="0" algn="l">
+              <a:spcBef>
+                <a:spcPts val="0"/>
+              </a:spcBef>
+              <a:spcAft>
+                <a:spcPts val="0"/>
+              </a:spcAft>
+              <a:buClr>
+                <a:srgbClr val="666666"/>
+              </a:buClr>
+              <a:buSzPts val="1450"/>
+              <a:buFont typeface="Malgun Gothic"/>
+              <a:buChar char="-"/>
+            </a:pPr>
+            <a:r>
+              <a:rPr lang="en-US" sz="1450">
+                <a:solidFill>
+                  <a:srgbClr val="666666"/>
+                </a:solidFill>
+                <a:highlight>
+                  <a:schemeClr val="lt1"/>
+                </a:highlight>
+                <a:latin typeface="Malgun Gothic"/>
+                <a:ea typeface="Malgun Gothic"/>
+                <a:cs typeface="Malgun Gothic"/>
+                <a:sym typeface="Malgun Gothic"/>
+              </a:rPr>
+              <a:t>리턴값서식: xml</a:t>
+            </a:r>
+            <a:endParaRPr sz="1450">
+              <a:solidFill>
+                <a:srgbClr val="666666"/>
+              </a:solidFill>
+              <a:highlight>
+                <a:schemeClr val="lt1"/>
+              </a:highlight>
+              <a:latin typeface="Malgun Gothic"/>
+              <a:ea typeface="Malgun Gothic"/>
+              <a:cs typeface="Malgun Gothic"/>
+              <a:sym typeface="Malgun Gothic"/>
+            </a:endParaRPr>
+          </a:p>
+          <a:p>
+            <a:pPr indent="0" lvl="0" marL="0" marR="0" rtl="0" algn="l">
+              <a:lnSpc>
+                <a:spcPct val="100000"/>
+              </a:lnSpc>
+              <a:spcBef>
+                <a:spcPts val="1000"/>
+              </a:spcBef>
+              <a:spcAft>
+                <a:spcPts val="0"/>
+              </a:spcAft>
+              <a:buClr>
+                <a:srgbClr val="000000"/>
+              </a:buClr>
+              <a:buSzPts val="1150"/>
+              <a:buFont typeface="Arial"/>
+              <a:buNone/>
+            </a:pPr>
+            <a:r>
+              <a:t/>
+            </a:r>
+            <a:endParaRPr sz="1800"/>
+          </a:p>
+          <a:p>
+            <a:pPr indent="0" lvl="0" marL="0" marR="1651000" rtl="0" algn="l">
               <a:lnSpc>
                 <a:spcPct val="100000"/>
               </a:lnSpc>
@@ -18295,199 +18451,9 @@
               <a:buNone/>
             </a:pPr>
             <a:r>
-              <a:rPr b="0" i="0" lang="en-US" sz="1800" u="none" cap="none" strike="noStrike">
-                <a:solidFill>
-                  <a:srgbClr val="000000"/>
-                </a:solidFill>
-                <a:latin typeface="Arial"/>
-                <a:ea typeface="Arial"/>
-                <a:cs typeface="Arial"/>
-                <a:sym typeface="Arial"/>
-              </a:rPr>
-              <a:t>HRD-Net 오픈API 사이트 </a:t>
-            </a:r>
-            <a:r>
-              <a:rPr b="0" i="0" lang="en-US" sz="1800" u="sng" cap="none" strike="noStrike">
-                <a:solidFill>
-                  <a:schemeClr val="hlink"/>
-                </a:solidFill>
-                <a:latin typeface="Arial"/>
-                <a:ea typeface="Arial"/>
-                <a:cs typeface="Arial"/>
-                <a:sym typeface="Arial"/>
-                <a:hlinkClick r:id="rId4"/>
-              </a:rPr>
-              <a:t>http://www.hrd.go.kr/hrdp/ap/papco/PAPCO0700T.do</a:t>
-            </a:r>
-            <a:endParaRPr b="0" i="0" sz="1800" u="none" cap="none" strike="noStrike">
-              <a:solidFill>
-                <a:srgbClr val="000000"/>
-              </a:solidFill>
-              <a:latin typeface="Arial"/>
-              <a:ea typeface="Arial"/>
-              <a:cs typeface="Arial"/>
-              <a:sym typeface="Arial"/>
-            </a:endParaRPr>
-          </a:p>
-          <a:p>
-            <a:pPr indent="80645" lvl="0" marL="12700" marR="5080" rtl="0" algn="l">
-              <a:lnSpc>
-                <a:spcPct val="100000"/>
-              </a:lnSpc>
-              <a:spcBef>
-                <a:spcPts val="1000"/>
-              </a:spcBef>
-              <a:spcAft>
-                <a:spcPts val="0"/>
-              </a:spcAft>
-              <a:buClr>
-                <a:srgbClr val="000000"/>
-              </a:buClr>
-              <a:buSzPts val="1800"/>
-              <a:buFont typeface="Arial"/>
-              <a:buNone/>
-            </a:pPr>
-            <a:r>
-              <a:rPr b="0" i="0" lang="en-US" sz="1800" u="none" cap="none" strike="noStrike">
-                <a:solidFill>
-                  <a:srgbClr val="000000"/>
-                </a:solidFill>
-                <a:latin typeface="Arial"/>
-                <a:ea typeface="Arial"/>
-                <a:cs typeface="Arial"/>
-                <a:sym typeface="Arial"/>
-              </a:rPr>
-              <a:t>에서 구직자 훈련과정 데이터 연동</a:t>
-            </a:r>
-            <a:endParaRPr b="0" i="0" sz="1800" u="none" cap="none" strike="noStrike">
-              <a:solidFill>
-                <a:srgbClr val="000000"/>
-              </a:solidFill>
-              <a:latin typeface="Arial"/>
-              <a:ea typeface="Arial"/>
-              <a:cs typeface="Arial"/>
-              <a:sym typeface="Arial"/>
-            </a:endParaRPr>
-          </a:p>
-          <a:p>
-            <a:pPr indent="0" lvl="0" marL="0" marR="0" rtl="0" algn="l">
-              <a:lnSpc>
-                <a:spcPct val="100000"/>
-              </a:lnSpc>
-              <a:spcBef>
-                <a:spcPts val="1000"/>
-              </a:spcBef>
-              <a:spcAft>
-                <a:spcPts val="0"/>
-              </a:spcAft>
-              <a:buClr>
-                <a:srgbClr val="000000"/>
-              </a:buClr>
-              <a:buSzPts val="1150"/>
-              <a:buFont typeface="Arial"/>
-              <a:buNone/>
-            </a:pPr>
-            <a:r>
-              <a:t/>
-            </a:r>
-            <a:endParaRPr b="0" i="0" sz="1150" u="none" cap="none" strike="noStrike">
-              <a:solidFill>
-                <a:srgbClr val="000000"/>
-              </a:solidFill>
-              <a:latin typeface="Arial"/>
-              <a:ea typeface="Arial"/>
-              <a:cs typeface="Arial"/>
-              <a:sym typeface="Arial"/>
-            </a:endParaRPr>
-          </a:p>
-          <a:p>
-            <a:pPr indent="0" lvl="0" marL="0" marR="1651000" rtl="0" algn="l">
-              <a:lnSpc>
-                <a:spcPct val="100000"/>
-              </a:lnSpc>
-              <a:spcBef>
-                <a:spcPts val="1000"/>
-              </a:spcBef>
-              <a:spcAft>
-                <a:spcPts val="0"/>
-              </a:spcAft>
-              <a:buClr>
-                <a:srgbClr val="000000"/>
-              </a:buClr>
-              <a:buSzPts val="1800"/>
-              <a:buFont typeface="Arial"/>
-              <a:buNone/>
-            </a:pPr>
-            <a:r>
               <a:t/>
             </a:r>
             <a:endParaRPr b="0" i="0" sz="1800" u="none" cap="none" strike="noStrike">
-              <a:solidFill>
-                <a:srgbClr val="000000"/>
-              </a:solidFill>
-              <a:latin typeface="Arial"/>
-              <a:ea typeface="Arial"/>
-              <a:cs typeface="Arial"/>
-              <a:sym typeface="Arial"/>
-            </a:endParaRPr>
-          </a:p>
-        </p:txBody>
-      </p:sp>
-      <p:sp>
-        <p:nvSpPr>
-          <p:cNvPr id="112" name="Google Shape;112;p6"/>
-          <p:cNvSpPr txBox="1"/>
-          <p:nvPr/>
-        </p:nvSpPr>
-        <p:spPr>
-          <a:xfrm>
-            <a:off x="5977450" y="1008625"/>
-            <a:ext cx="3166500" cy="297600"/>
-          </a:xfrm>
-          <a:prstGeom prst="rect">
-            <a:avLst/>
-          </a:prstGeom>
-          <a:noFill/>
-          <a:ln>
-            <a:noFill/>
-          </a:ln>
-        </p:spPr>
-        <p:txBody>
-          <a:bodyPr anchorCtr="0" anchor="t" bIns="0" lIns="0" spcFirstLastPara="1" rIns="0" wrap="square" tIns="12700">
-            <a:noAutofit/>
-          </a:bodyPr>
-          <a:lstStyle/>
-          <a:p>
-            <a:pPr indent="0" lvl="0" marL="12700" marR="0" rtl="0" algn="l">
-              <a:lnSpc>
-                <a:spcPct val="100000"/>
-              </a:lnSpc>
-              <a:spcBef>
-                <a:spcPts val="0"/>
-              </a:spcBef>
-              <a:spcAft>
-                <a:spcPts val="0"/>
-              </a:spcAft>
-              <a:buClr>
-                <a:srgbClr val="000000"/>
-              </a:buClr>
-              <a:buSzPts val="1600"/>
-              <a:buFont typeface="Arial"/>
-              <a:buNone/>
-            </a:pPr>
-            <a:r>
-              <a:rPr b="0" i="0" lang="en-US" sz="1600" u="none" cap="none" strike="noStrike">
-                <a:solidFill>
-                  <a:srgbClr val="000000"/>
-                </a:solidFill>
-                <a:latin typeface="Arial"/>
-                <a:ea typeface="Arial"/>
-                <a:cs typeface="Arial"/>
-                <a:sym typeface="Arial"/>
-              </a:rPr>
-              <a:t>자바 소스코드 입력</a:t>
-            </a:r>
-            <a:endParaRPr b="0" i="0" sz="1600" u="none" cap="none" strike="noStrike">
               <a:solidFill>
                 <a:srgbClr val="000000"/>
               </a:solidFill>
@@ -18508,11 +18474,11 @@
 </file>
 
 <file path=ppt/slides/slide7.xml><?xml version="1.0" encoding="utf-8"?>
-<p:sld xmlns:a="http://schemas.openxmlformats.org/drawingml/2006/main" xmlns:r="http://schemas.openxmlformats.org/officeDocument/2006/relationships" xmlns:mc="http://schemas.openxmlformats.org/markup-compatibility/2006" xmlns:mv="urn:schemas-microsoft-com:mac:vml" xmlns:p="http://schemas.openxmlformats.org/presentationml/2006/main" xmlns:c="http://schemas.openxmlformats.org/drawingml/2006/chart" xmlns:dgm="http://schemas.openxmlformats.org/drawingml/2006/diagram" xmlns:o="urn:schemas-microsoft-com:office:office" xmlns:v="urn:schemas-microsoft-com:vml" xmlns:pvml="urn:schemas-microsoft-com:office:powerpoint" xmlns:com="http://schemas.openxmlformats.org/drawingml/2006/compatibility" xmlns:p14="http://schemas.microsoft.com/office/powerpoint/2010/main" xmlns:p15="http://schemas.microsoft.com/office/powerpoint/2012/main">
+<p:sld xmlns:a="http://schemas.openxmlformats.org/drawingml/2006/main" xmlns:r="http://schemas.openxmlformats.org/officeDocument/2006/relationships" xmlns:mc="http://schemas.openxmlformats.org/markup-compatibility/2006" xmlns:mv="urn:schemas-microsoft-com:mac:vml" xmlns:p="http://schemas.openxmlformats.org/presentationml/2006/main" xmlns:c="http://schemas.openxmlformats.org/drawingml/2006/chart" xmlns:dgm="http://schemas.openxmlformats.org/drawingml/2006/diagram" xmlns:o="urn:schemas-microsoft-com:office:office" xmlns:v="urn:schemas-microsoft-com:vml" xmlns:pvml="urn:schemas-microsoft-com:office:powerpoint" xmlns:com="http://schemas.openxmlformats.org/drawingml/2006/compatibility" xmlns:p14="http://schemas.microsoft.com/office/powerpoint/2010/main" xmlns:p15="http://schemas.microsoft.com/office/powerpoint/2012/main" xmlns:ahyp="http://schemas.microsoft.com/office/drawing/2018/hyperlinkcolor">
   <p:cSld>
     <p:spTree>
       <p:nvGrpSpPr>
-        <p:cNvPr id="116" name="Shape 116"/>
+        <p:cNvPr id="115" name="Shape 115"/>
         <p:cNvGrpSpPr/>
         <p:nvPr/>
       </p:nvGrpSpPr>
@@ -18526,7 +18492,7 @@
       </p:grpSpPr>
       <p:grpSp>
         <p:nvGrpSpPr>
-          <p:cNvPr id="117" name="Google Shape;117;p7"/>
+          <p:cNvPr id="116" name="Google Shape;116;p8"/>
           <p:cNvGrpSpPr/>
           <p:nvPr/>
         </p:nvGrpSpPr>
@@ -18540,7 +18506,7 @@
         </p:grpSpPr>
         <p:sp>
           <p:nvSpPr>
-            <p:cNvPr id="118" name="Google Shape;118;p7"/>
+            <p:cNvPr id="117" name="Google Shape;117;p8"/>
             <p:cNvSpPr/>
             <p:nvPr/>
           </p:nvSpPr>
@@ -18604,7 +18570,7 @@
         </p:sp>
         <p:sp>
           <p:nvSpPr>
-            <p:cNvPr id="119" name="Google Shape;119;p7"/>
+            <p:cNvPr id="118" name="Google Shape;118;p8"/>
             <p:cNvSpPr/>
             <p:nvPr/>
           </p:nvSpPr>
@@ -18684,7 +18650,7 @@
       </p:grpSp>
       <p:sp>
         <p:nvSpPr>
-          <p:cNvPr id="120" name="Google Shape;120;p7"/>
+          <p:cNvPr id="119" name="Google Shape;119;p8"/>
           <p:cNvSpPr txBox="1"/>
           <p:nvPr>
             <p:ph type="title"/>
@@ -18693,7 +18659,7 @@
         <p:spPr>
           <a:xfrm>
             <a:off x="238750" y="870025"/>
-            <a:ext cx="5738700" cy="574800"/>
+            <a:ext cx="6552900" cy="574800"/>
           </a:xfrm>
           <a:prstGeom prst="rect">
             <a:avLst/>
@@ -18724,7 +18690,7 @@
             </a:pPr>
             <a:r>
               <a:rPr lang="en-US" sz="3600"/>
-              <a:t>5</a:t>
+              <a:t>4</a:t>
             </a:r>
             <a:r>
               <a:rPr b="0" lang="en-US" sz="3600">
@@ -18737,7 +18703,11 @@
             </a:r>
             <a:r>
               <a:rPr lang="en-US" sz="3600"/>
-              <a:t>결과물</a:t>
+              <a:t>예외처리</a:t>
+            </a:r>
+            <a:r>
+              <a:rPr lang="en-US" sz="3600"/>
+              <a:t> 및 오류 예측 제시</a:t>
             </a:r>
             <a:endParaRPr sz="3600">
               <a:latin typeface="Arial"/>
@@ -18750,7 +18720,7 @@
       </p:sp>
       <p:sp>
         <p:nvSpPr>
-          <p:cNvPr id="121" name="Google Shape;121;p7"/>
+          <p:cNvPr id="120" name="Google Shape;120;p8"/>
           <p:cNvSpPr txBox="1"/>
           <p:nvPr/>
         </p:nvSpPr>
@@ -18816,474 +18786,7 @@
       </p:sp>
       <p:sp>
         <p:nvSpPr>
-          <p:cNvPr id="122" name="Google Shape;122;p7"/>
-          <p:cNvSpPr txBox="1"/>
-          <p:nvPr/>
-        </p:nvSpPr>
-        <p:spPr>
-          <a:xfrm>
-            <a:off x="4303300" y="1008625"/>
-            <a:ext cx="4840500" cy="297600"/>
-          </a:xfrm>
-          <a:prstGeom prst="rect">
-            <a:avLst/>
-          </a:prstGeom>
-          <a:noFill/>
-          <a:ln>
-            <a:noFill/>
-          </a:ln>
-        </p:spPr>
-        <p:txBody>
-          <a:bodyPr anchorCtr="0" anchor="t" bIns="0" lIns="0" spcFirstLastPara="1" rIns="0" wrap="square" tIns="12700">
-            <a:noAutofit/>
-          </a:bodyPr>
-          <a:lstStyle/>
-          <a:p>
-            <a:pPr indent="0" lvl="0" marL="12700" marR="0" rtl="0" algn="l">
-              <a:lnSpc>
-                <a:spcPct val="100000"/>
-              </a:lnSpc>
-              <a:spcBef>
-                <a:spcPts val="0"/>
-              </a:spcBef>
-              <a:spcAft>
-                <a:spcPts val="0"/>
-              </a:spcAft>
-              <a:buClr>
-                <a:srgbClr val="000000"/>
-              </a:buClr>
-              <a:buSzPts val="1600"/>
-              <a:buFont typeface="Arial"/>
-              <a:buNone/>
-            </a:pPr>
-            <a:r>
-              <a:rPr b="0" i="0" lang="en-US" sz="1600" u="none" cap="none" strike="noStrike">
-                <a:solidFill>
-                  <a:srgbClr val="000000"/>
-                </a:solidFill>
-                <a:latin typeface="Arial"/>
-                <a:ea typeface="Arial"/>
-                <a:cs typeface="Arial"/>
-                <a:sym typeface="Arial"/>
-              </a:rPr>
-              <a:t>작업결과 콘솔 내용 캡쳐 이미지 입력</a:t>
-            </a:r>
-            <a:endParaRPr b="0" i="0" sz="1600" u="none" cap="none" strike="noStrike">
-              <a:solidFill>
-                <a:srgbClr val="000000"/>
-              </a:solidFill>
-              <a:latin typeface="Arial"/>
-              <a:ea typeface="Arial"/>
-              <a:cs typeface="Arial"/>
-              <a:sym typeface="Arial"/>
-            </a:endParaRPr>
-          </a:p>
-        </p:txBody>
-      </p:sp>
-    </p:spTree>
-  </p:cSld>
-  <p:clrMapOvr>
-    <a:masterClrMapping/>
-  </p:clrMapOvr>
-</p:sld>
-</file>
-
-<file path=ppt/slides/slide8.xml><?xml version="1.0" encoding="utf-8"?>
-<p:sld xmlns:a="http://schemas.openxmlformats.org/drawingml/2006/main" xmlns:r="http://schemas.openxmlformats.org/officeDocument/2006/relationships" xmlns:mc="http://schemas.openxmlformats.org/markup-compatibility/2006" xmlns:mv="urn:schemas-microsoft-com:mac:vml" xmlns:p="http://schemas.openxmlformats.org/presentationml/2006/main" xmlns:c="http://schemas.openxmlformats.org/drawingml/2006/chart" xmlns:dgm="http://schemas.openxmlformats.org/drawingml/2006/diagram" xmlns:o="urn:schemas-microsoft-com:office:office" xmlns:v="urn:schemas-microsoft-com:vml" xmlns:pvml="urn:schemas-microsoft-com:office:powerpoint" xmlns:com="http://schemas.openxmlformats.org/drawingml/2006/compatibility" xmlns:p14="http://schemas.microsoft.com/office/powerpoint/2010/main" xmlns:p15="http://schemas.microsoft.com/office/powerpoint/2012/main">
-  <p:cSld>
-    <p:spTree>
-      <p:nvGrpSpPr>
-        <p:cNvPr id="126" name="Shape 126"/>
-        <p:cNvGrpSpPr/>
-        <p:nvPr/>
-      </p:nvGrpSpPr>
-      <p:grpSpPr>
-        <a:xfrm>
-          <a:off x="0" y="0"/>
-          <a:ext cx="0" cy="0"/>
-          <a:chOff x="0" y="0"/>
-          <a:chExt cx="0" cy="0"/>
-        </a:xfrm>
-      </p:grpSpPr>
-      <p:grpSp>
-        <p:nvGrpSpPr>
-          <p:cNvPr id="127" name="Google Shape;127;p8"/>
-          <p:cNvGrpSpPr/>
-          <p:nvPr/>
-        </p:nvGrpSpPr>
-        <p:grpSpPr>
-          <a:xfrm>
-            <a:off x="0" y="260604"/>
-            <a:ext cx="9144000" cy="1545336"/>
-            <a:chOff x="0" y="260604"/>
-            <a:chExt cx="9144000" cy="1545336"/>
-          </a:xfrm>
-        </p:grpSpPr>
-        <p:sp>
-          <p:nvSpPr>
-            <p:cNvPr id="128" name="Google Shape;128;p8"/>
-            <p:cNvSpPr/>
-            <p:nvPr/>
-          </p:nvSpPr>
-          <p:spPr>
-            <a:xfrm>
-              <a:off x="0" y="739140"/>
-              <a:ext cx="3360300" cy="1066800"/>
-            </a:xfrm>
-            <a:prstGeom prst="rect">
-              <a:avLst/>
-            </a:prstGeom>
-            <a:blipFill rotWithShape="1">
-              <a:blip r:embed="rId3">
-                <a:alphaModFix/>
-              </a:blip>
-              <a:stretch>
-                <a:fillRect b="0" l="0" r="0" t="0"/>
-              </a:stretch>
-            </a:blipFill>
-            <a:ln>
-              <a:noFill/>
-            </a:ln>
-          </p:spPr>
-          <p:txBody>
-            <a:bodyPr anchorCtr="0" anchor="t" bIns="0" lIns="0" spcFirstLastPara="1" rIns="0" wrap="square" tIns="0">
-              <a:noAutofit/>
-            </a:bodyPr>
-            <a:lstStyle/>
-            <a:p>
-              <a:pPr indent="0" lvl="0" marL="0" marR="0" rtl="0" algn="l">
-                <a:lnSpc>
-                  <a:spcPct val="100000"/>
-                </a:lnSpc>
-                <a:spcBef>
-                  <a:spcPts val="0"/>
-                </a:spcBef>
-                <a:spcAft>
-                  <a:spcPts val="0"/>
-                </a:spcAft>
-                <a:buClr>
-                  <a:srgbClr val="000000"/>
-                </a:buClr>
-                <a:buSzPts val="1800"/>
-                <a:buFont typeface="Arial"/>
-                <a:buNone/>
-              </a:pPr>
-              <a:r>
-                <a:t/>
-              </a:r>
-              <a:endParaRPr b="0" i="0" sz="1800" u="none" cap="none" strike="noStrike">
-                <a:solidFill>
-                  <a:srgbClr val="000000"/>
-                </a:solidFill>
-                <a:latin typeface="Arial"/>
-                <a:ea typeface="Arial"/>
-                <a:cs typeface="Arial"/>
-                <a:sym typeface="Arial"/>
-              </a:endParaRPr>
-            </a:p>
-          </p:txBody>
-        </p:sp>
-        <p:sp>
-          <p:nvSpPr>
-            <p:cNvPr id="129" name="Google Shape;129;p8"/>
-            <p:cNvSpPr/>
-            <p:nvPr/>
-          </p:nvSpPr>
-          <p:spPr>
-            <a:xfrm>
-              <a:off x="0" y="260604"/>
-              <a:ext cx="9144000" cy="1224280"/>
-            </a:xfrm>
-            <a:custGeom>
-              <a:rect b="b" l="l" r="r" t="t"/>
-              <a:pathLst>
-                <a:path extrusionOk="0" h="1224280" w="9144000">
-                  <a:moveTo>
-                    <a:pt x="9144000" y="0"/>
-                  </a:moveTo>
-                  <a:lnTo>
-                    <a:pt x="0" y="0"/>
-                  </a:lnTo>
-                  <a:lnTo>
-                    <a:pt x="0" y="1223772"/>
-                  </a:lnTo>
-                  <a:lnTo>
-                    <a:pt x="9144000" y="1223772"/>
-                  </a:lnTo>
-                  <a:lnTo>
-                    <a:pt x="9144000" y="0"/>
-                  </a:lnTo>
-                  <a:close/>
-                </a:path>
-              </a:pathLst>
-            </a:custGeom>
-            <a:solidFill>
-              <a:srgbClr val="D9F3F4"/>
-            </a:solidFill>
-            <a:ln>
-              <a:noFill/>
-            </a:ln>
-          </p:spPr>
-          <p:txBody>
-            <a:bodyPr anchorCtr="0" anchor="t" bIns="0" lIns="0" spcFirstLastPara="1" rIns="0" wrap="square" tIns="0">
-              <a:noAutofit/>
-            </a:bodyPr>
-            <a:lstStyle/>
-            <a:p>
-              <a:pPr indent="0" lvl="0" marL="0" marR="0" rtl="0" algn="l">
-                <a:lnSpc>
-                  <a:spcPct val="100000"/>
-                </a:lnSpc>
-                <a:spcBef>
-                  <a:spcPts val="0"/>
-                </a:spcBef>
-                <a:spcAft>
-                  <a:spcPts val="0"/>
-                </a:spcAft>
-                <a:buClr>
-                  <a:srgbClr val="000000"/>
-                </a:buClr>
-                <a:buSzPts val="1800"/>
-                <a:buFont typeface="Arial"/>
-                <a:buNone/>
-              </a:pPr>
-              <a:r>
-                <a:t/>
-              </a:r>
-              <a:endParaRPr b="0" i="0" sz="1800" u="none" cap="none" strike="noStrike">
-                <a:solidFill>
-                  <a:srgbClr val="000000"/>
-                </a:solidFill>
-                <a:latin typeface="Arial"/>
-                <a:ea typeface="Arial"/>
-                <a:cs typeface="Arial"/>
-                <a:sym typeface="Arial"/>
-              </a:endParaRPr>
-            </a:p>
-          </p:txBody>
-        </p:sp>
-      </p:grpSp>
-      <p:sp>
-        <p:nvSpPr>
-          <p:cNvPr id="130" name="Google Shape;130;p8"/>
-          <p:cNvSpPr txBox="1"/>
-          <p:nvPr>
-            <p:ph type="title"/>
-          </p:nvPr>
-        </p:nvSpPr>
-        <p:spPr>
-          <a:xfrm>
-            <a:off x="238750" y="870025"/>
-            <a:ext cx="5974500" cy="574800"/>
-          </a:xfrm>
-          <a:prstGeom prst="rect">
-            <a:avLst/>
-          </a:prstGeom>
-          <a:noFill/>
-          <a:ln>
-            <a:noFill/>
-          </a:ln>
-        </p:spPr>
-        <p:txBody>
-          <a:bodyPr anchorCtr="0" anchor="t" bIns="0" lIns="0" spcFirstLastPara="1" rIns="0" wrap="square" tIns="12700">
-            <a:noAutofit/>
-          </a:bodyPr>
-          <a:lstStyle/>
-          <a:p>
-            <a:pPr indent="0" lvl="0" marL="12700" rtl="0" algn="l">
-              <a:lnSpc>
-                <a:spcPct val="100000"/>
-              </a:lnSpc>
-              <a:spcBef>
-                <a:spcPts val="0"/>
-              </a:spcBef>
-              <a:spcAft>
-                <a:spcPts val="0"/>
-              </a:spcAft>
-              <a:buSzPts val="1400"/>
-              <a:buNone/>
-            </a:pPr>
-            <a:r>
-              <a:rPr lang="en-US" sz="3600"/>
-              <a:t>6</a:t>
-            </a:r>
-            <a:r>
-              <a:rPr b="0" lang="en-US" sz="3600">
-                <a:latin typeface="Arial"/>
-                <a:ea typeface="Arial"/>
-                <a:cs typeface="Arial"/>
-                <a:sym typeface="Arial"/>
-              </a:rPr>
-              <a:t>. </a:t>
-            </a:r>
-            <a:r>
-              <a:rPr lang="en-US" sz="3600"/>
-              <a:t>오류예측 및 대응방안 제시</a:t>
-            </a:r>
-            <a:endParaRPr sz="3600">
-              <a:latin typeface="Arial"/>
-              <a:ea typeface="Arial"/>
-              <a:cs typeface="Arial"/>
-              <a:sym typeface="Arial"/>
-            </a:endParaRPr>
-          </a:p>
-        </p:txBody>
-      </p:sp>
-      <p:sp>
-        <p:nvSpPr>
-          <p:cNvPr id="131" name="Google Shape;131;p8"/>
-          <p:cNvSpPr txBox="1"/>
-          <p:nvPr/>
-        </p:nvSpPr>
-        <p:spPr>
-          <a:xfrm>
-            <a:off x="8473185" y="6419105"/>
-            <a:ext cx="160800" cy="228600"/>
-          </a:xfrm>
-          <a:prstGeom prst="rect">
-            <a:avLst/>
-          </a:prstGeom>
-          <a:noFill/>
-          <a:ln>
-            <a:noFill/>
-          </a:ln>
-        </p:spPr>
-        <p:txBody>
-          <a:bodyPr anchorCtr="0" anchor="t" bIns="0" lIns="0" spcFirstLastPara="1" rIns="0" wrap="square" tIns="26025">
-            <a:noAutofit/>
-          </a:bodyPr>
-          <a:lstStyle/>
-          <a:p>
-            <a:pPr indent="0" lvl="0" marL="38100" marR="0" rtl="0" algn="l">
-              <a:lnSpc>
-                <a:spcPct val="100000"/>
-              </a:lnSpc>
-              <a:spcBef>
-                <a:spcPts val="0"/>
-              </a:spcBef>
-              <a:spcAft>
-                <a:spcPts val="0"/>
-              </a:spcAft>
-              <a:buClr>
-                <a:srgbClr val="000000"/>
-              </a:buClr>
-              <a:buSzPts val="1200"/>
-              <a:buFont typeface="Arial"/>
-              <a:buNone/>
-            </a:pPr>
-            <a:fld id="{00000000-1234-1234-1234-123412341234}" type="slidenum">
-              <a:rPr b="0" i="0" lang="en-US" sz="1200" u="none" cap="none" strike="noStrike">
-                <a:solidFill>
-                  <a:srgbClr val="888888"/>
-                </a:solidFill>
-                <a:latin typeface="Arial"/>
-                <a:ea typeface="Arial"/>
-                <a:cs typeface="Arial"/>
-                <a:sym typeface="Arial"/>
-              </a:rPr>
-              <a:t>‹#›</a:t>
-            </a:fld>
-            <a:endParaRPr b="0" i="0" sz="1200" u="none" cap="none" strike="noStrike">
-              <a:solidFill>
-                <a:srgbClr val="000000"/>
-              </a:solidFill>
-              <a:latin typeface="Arial"/>
-              <a:ea typeface="Arial"/>
-              <a:cs typeface="Arial"/>
-              <a:sym typeface="Arial"/>
-            </a:endParaRPr>
-          </a:p>
-        </p:txBody>
-      </p:sp>
-      <p:sp>
-        <p:nvSpPr>
-          <p:cNvPr id="132" name="Google Shape;132;p8"/>
-          <p:cNvSpPr txBox="1"/>
-          <p:nvPr/>
-        </p:nvSpPr>
-        <p:spPr>
-          <a:xfrm>
-            <a:off x="6337125" y="1008625"/>
-            <a:ext cx="2806800" cy="297600"/>
-          </a:xfrm>
-          <a:prstGeom prst="rect">
-            <a:avLst/>
-          </a:prstGeom>
-          <a:noFill/>
-          <a:ln>
-            <a:noFill/>
-          </a:ln>
-        </p:spPr>
-        <p:txBody>
-          <a:bodyPr anchorCtr="0" anchor="t" bIns="0" lIns="0" spcFirstLastPara="1" rIns="0" wrap="square" tIns="12700">
-            <a:noAutofit/>
-          </a:bodyPr>
-          <a:lstStyle/>
-          <a:p>
-            <a:pPr indent="0" lvl="0" marL="12700" marR="0" rtl="0" algn="l">
-              <a:lnSpc>
-                <a:spcPct val="100000"/>
-              </a:lnSpc>
-              <a:spcBef>
-                <a:spcPts val="0"/>
-              </a:spcBef>
-              <a:spcAft>
-                <a:spcPts val="0"/>
-              </a:spcAft>
-              <a:buClr>
-                <a:srgbClr val="000000"/>
-              </a:buClr>
-              <a:buSzPts val="1600"/>
-              <a:buFont typeface="Arial"/>
-              <a:buNone/>
-            </a:pPr>
-            <a:r>
-              <a:rPr b="0" i="0" lang="en-US" sz="1600" u="none" cap="none" strike="noStrike">
-                <a:solidFill>
-                  <a:srgbClr val="000000"/>
-                </a:solidFill>
-                <a:latin typeface="Arial"/>
-                <a:ea typeface="Arial"/>
-                <a:cs typeface="Arial"/>
-                <a:sym typeface="Arial"/>
-              </a:rPr>
-              <a:t>작업시 </a:t>
-            </a:r>
-            <a:r>
-              <a:rPr lang="en-US" sz="1600"/>
-              <a:t>사용한 코드</a:t>
-            </a:r>
-            <a:r>
-              <a:rPr b="0" i="0" lang="en-US" sz="1600" u="none" cap="none" strike="noStrike">
-                <a:solidFill>
-                  <a:srgbClr val="000000"/>
-                </a:solidFill>
-                <a:latin typeface="Arial"/>
-                <a:ea typeface="Arial"/>
-                <a:cs typeface="Arial"/>
-                <a:sym typeface="Arial"/>
-              </a:rPr>
-              <a:t> </a:t>
-            </a:r>
-            <a:r>
-              <a:rPr lang="en-US" sz="1600"/>
-              <a:t>설명</a:t>
-            </a:r>
-            <a:endParaRPr b="0" i="0" sz="1600" u="none" cap="none" strike="noStrike">
-              <a:solidFill>
-                <a:srgbClr val="000000"/>
-              </a:solidFill>
-              <a:latin typeface="Arial"/>
-              <a:ea typeface="Arial"/>
-              <a:cs typeface="Arial"/>
-              <a:sym typeface="Arial"/>
-            </a:endParaRPr>
-          </a:p>
-        </p:txBody>
-      </p:sp>
-      <p:sp>
-        <p:nvSpPr>
-          <p:cNvPr id="133" name="Google Shape;133;p8"/>
+          <p:cNvPr id="121" name="Google Shape;121;p8"/>
           <p:cNvSpPr txBox="1"/>
           <p:nvPr/>
         </p:nvSpPr>
@@ -19324,10 +18827,6 @@
               <a:buAutoNum type="arabicPeriod"/>
             </a:pPr>
             <a:r>
-              <a:rPr lang="en-US" sz="2000"/>
-              <a:t>소스코드에 예외처리 코드 사용여부</a:t>
-            </a:r>
-            <a:r>
               <a:rPr b="0" i="0" lang="en-US" sz="2000" u="none" cap="none" strike="noStrike">
                 <a:solidFill>
                   <a:srgbClr val="000000"/>
@@ -19337,7 +18836,7 @@
                 <a:cs typeface="Arial"/>
                 <a:sym typeface="Arial"/>
               </a:rPr>
-              <a:t>,</a:t>
+              <a:t>소스코드에 예외처리 코드 사용여부,</a:t>
             </a:r>
             <a:endParaRPr b="0" i="0" sz="2000" u="none" cap="none" strike="noStrike">
               <a:solidFill>
@@ -19448,11 +18947,11 @@
                 <a:cs typeface="Arial"/>
                 <a:sym typeface="Arial"/>
               </a:rPr>
-              <a:t> 연동 </a:t>
+              <a:t> 연동 상태 코드 체크</a:t>
             </a:r>
             <a:r>
               <a:rPr lang="en-US" sz="2000"/>
-              <a:t>상태 코드 체크 사용여부 status code 200 vs 204 vs 404</a:t>
+              <a:t>로 오류 상황에 대해 대응할 수 있게 된다. 아래 상태</a:t>
             </a:r>
             <a:r>
               <a:rPr b="0" i="0" lang="en-US" sz="2000" u="none" cap="none" strike="noStrike">
@@ -19464,7 +18963,11 @@
                 <a:cs typeface="Arial"/>
                 <a:sym typeface="Arial"/>
               </a:rPr>
-              <a:t>,</a:t>
+              <a:t>코드의 의미를 쓰시오</a:t>
+            </a:r>
+            <a:r>
+              <a:rPr lang="en-US" sz="2000"/>
+              <a:t>.</a:t>
             </a:r>
             <a:endParaRPr b="0" i="0" sz="2000" u="none" cap="none" strike="noStrike">
               <a:solidFill>
@@ -19506,6 +19009,14 @@
               </a:rPr>
               <a:t>→ </a:t>
             </a:r>
+            <a:r>
+              <a:rPr lang="en-US" sz="2000">
+                <a:solidFill>
+                  <a:schemeClr val="dk1"/>
+                </a:solidFill>
+              </a:rPr>
+              <a:t>status code 200</a:t>
+            </a:r>
             <a:endParaRPr b="0" i="0" sz="2000" u="none" cap="none" strike="noStrike">
               <a:solidFill>
                 <a:srgbClr val="000000"/>
@@ -19546,441 +19057,47 @@
               </a:rPr>
               <a:t>→ </a:t>
             </a:r>
-            <a:endParaRPr b="0" i="0" sz="2000" u="none" cap="none" strike="noStrike">
+            <a:r>
+              <a:rPr lang="en-US" sz="2000">
+                <a:solidFill>
+                  <a:schemeClr val="dk1"/>
+                </a:solidFill>
+              </a:rPr>
+              <a:t>status code 204</a:t>
+            </a:r>
+            <a:endParaRPr sz="2000">
               <a:solidFill>
-                <a:srgbClr val="000000"/>
+                <a:schemeClr val="dk1"/>
               </a:solidFill>
-              <a:latin typeface="Arial"/>
-              <a:ea typeface="Arial"/>
-              <a:cs typeface="Arial"/>
-              <a:sym typeface="Arial"/>
             </a:endParaRPr>
           </a:p>
-        </p:txBody>
-      </p:sp>
-    </p:spTree>
-  </p:cSld>
-  <p:clrMapOvr>
-    <a:masterClrMapping/>
-  </p:clrMapOvr>
-</p:sld>
-</file>
-
-<file path=ppt/slides/slide9.xml><?xml version="1.0" encoding="utf-8"?>
-<p:sld xmlns:a="http://schemas.openxmlformats.org/drawingml/2006/main" xmlns:r="http://schemas.openxmlformats.org/officeDocument/2006/relationships" xmlns:mc="http://schemas.openxmlformats.org/markup-compatibility/2006" xmlns:mv="urn:schemas-microsoft-com:mac:vml" xmlns:p="http://schemas.openxmlformats.org/presentationml/2006/main" xmlns:c="http://schemas.openxmlformats.org/drawingml/2006/chart" xmlns:dgm="http://schemas.openxmlformats.org/drawingml/2006/diagram" xmlns:o="urn:schemas-microsoft-com:office:office" xmlns:v="urn:schemas-microsoft-com:vml" xmlns:pvml="urn:schemas-microsoft-com:office:powerpoint" xmlns:com="http://schemas.openxmlformats.org/drawingml/2006/compatibility" xmlns:p14="http://schemas.microsoft.com/office/powerpoint/2010/main" xmlns:p15="http://schemas.microsoft.com/office/powerpoint/2012/main" showMasterSp="0">
-  <p:cSld>
-    <p:spTree>
-      <p:nvGrpSpPr>
-        <p:cNvPr id="137" name="Shape 137"/>
-        <p:cNvGrpSpPr/>
-        <p:nvPr/>
-      </p:nvGrpSpPr>
-      <p:grpSpPr>
-        <a:xfrm>
-          <a:off x="0" y="0"/>
-          <a:ext cx="0" cy="0"/>
-          <a:chOff x="0" y="0"/>
-          <a:chExt cx="0" cy="0"/>
-        </a:xfrm>
-      </p:grpSpPr>
-      <p:sp>
-        <p:nvSpPr>
-          <p:cNvPr id="138" name="Google Shape;138;p9"/>
-          <p:cNvSpPr/>
-          <p:nvPr/>
-        </p:nvSpPr>
-        <p:spPr>
-          <a:xfrm>
-            <a:off x="0" y="0"/>
-            <a:ext cx="9144000" cy="6858000"/>
-          </a:xfrm>
-          <a:custGeom>
-            <a:rect b="b" l="l" r="r" t="t"/>
-            <a:pathLst>
-              <a:path extrusionOk="0" h="6858000" w="9144000">
-                <a:moveTo>
-                  <a:pt x="9144000" y="0"/>
-                </a:moveTo>
-                <a:lnTo>
-                  <a:pt x="0" y="0"/>
-                </a:lnTo>
-                <a:lnTo>
-                  <a:pt x="0" y="6858000"/>
-                </a:lnTo>
-                <a:lnTo>
-                  <a:pt x="9144000" y="6858000"/>
-                </a:lnTo>
-                <a:lnTo>
-                  <a:pt x="9144000" y="0"/>
-                </a:lnTo>
-                <a:close/>
-              </a:path>
-            </a:pathLst>
-          </a:custGeom>
-          <a:solidFill>
-            <a:srgbClr val="D9F3F4"/>
-          </a:solidFill>
-          <a:ln>
-            <a:noFill/>
-          </a:ln>
-        </p:spPr>
-        <p:txBody>
-          <a:bodyPr anchorCtr="0" anchor="t" bIns="0" lIns="0" spcFirstLastPara="1" rIns="0" wrap="square" tIns="0">
-            <a:noAutofit/>
-          </a:bodyPr>
-          <a:lstStyle/>
           <a:p>
-            <a:pPr indent="0" lvl="0" marL="0" marR="0" rtl="0" algn="l">
-              <a:lnSpc>
-                <a:spcPct val="100000"/>
-              </a:lnSpc>
-              <a:spcBef>
-                <a:spcPts val="0"/>
+            <a:pPr indent="0" lvl="0" marL="469900" rtl="0" algn="l">
+              <a:spcBef>
+                <a:spcPts val="1205"/>
               </a:spcBef>
               <a:spcAft>
                 <a:spcPts val="0"/>
               </a:spcAft>
               <a:buClr>
-                <a:srgbClr val="000000"/>
+                <a:schemeClr val="dk1"/>
               </a:buClr>
-              <a:buSzPts val="1800"/>
+              <a:buSzPts val="2000"/>
               <a:buFont typeface="Arial"/>
               <a:buNone/>
             </a:pPr>
             <a:r>
-              <a:t/>
+              <a:rPr lang="en-US" sz="2000">
+                <a:solidFill>
+                  <a:schemeClr val="dk1"/>
+                </a:solidFill>
+              </a:rPr>
+              <a:t>→ status code 404 설명기록</a:t>
             </a:r>
-            <a:endParaRPr b="0" i="0" sz="1800" u="none" cap="none" strike="noStrike">
+            <a:endParaRPr sz="2000">
               <a:solidFill>
-                <a:srgbClr val="000000"/>
+                <a:schemeClr val="dk1"/>
               </a:solidFill>
-              <a:latin typeface="Arial"/>
-              <a:ea typeface="Arial"/>
-              <a:cs typeface="Arial"/>
-              <a:sym typeface="Arial"/>
-            </a:endParaRPr>
-          </a:p>
-        </p:txBody>
-      </p:sp>
-      <p:sp>
-        <p:nvSpPr>
-          <p:cNvPr id="139" name="Google Shape;139;p9"/>
-          <p:cNvSpPr txBox="1"/>
-          <p:nvPr>
-            <p:ph idx="12" type="sldNum"/>
-          </p:nvPr>
-        </p:nvSpPr>
-        <p:spPr>
-          <a:xfrm>
-            <a:off x="8389366" y="6419105"/>
-            <a:ext cx="243840" cy="228600"/>
-          </a:xfrm>
-          <a:prstGeom prst="rect">
-            <a:avLst/>
-          </a:prstGeom>
-          <a:noFill/>
-          <a:ln>
-            <a:noFill/>
-          </a:ln>
-        </p:spPr>
-        <p:txBody>
-          <a:bodyPr anchorCtr="0" anchor="t" bIns="0" lIns="0" spcFirstLastPara="1" rIns="0" wrap="square" tIns="26025">
-            <a:noAutofit/>
-          </a:bodyPr>
-          <a:lstStyle/>
-          <a:p>
-            <a:pPr indent="0" lvl="0" marL="38100" rtl="0" algn="l">
-              <a:lnSpc>
-                <a:spcPct val="100000"/>
-              </a:lnSpc>
-              <a:spcBef>
-                <a:spcPts val="0"/>
-              </a:spcBef>
-              <a:spcAft>
-                <a:spcPts val="0"/>
-              </a:spcAft>
-              <a:buSzPts val="1200"/>
-              <a:buNone/>
-            </a:pPr>
-            <a:fld id="{00000000-1234-1234-1234-123412341234}" type="slidenum">
-              <a:rPr lang="en-US"/>
-              <a:t>‹#›</a:t>
-            </a:fld>
-            <a:endParaRPr/>
-          </a:p>
-        </p:txBody>
-      </p:sp>
-      <p:grpSp>
-        <p:nvGrpSpPr>
-          <p:cNvPr id="140" name="Google Shape;140;p9"/>
-          <p:cNvGrpSpPr/>
-          <p:nvPr/>
-        </p:nvGrpSpPr>
-        <p:grpSpPr>
-          <a:xfrm>
-            <a:off x="0" y="2478023"/>
-            <a:ext cx="9144000" cy="1618500"/>
-            <a:chOff x="0" y="2478023"/>
-            <a:chExt cx="9144000" cy="1618500"/>
-          </a:xfrm>
-        </p:grpSpPr>
-        <p:sp>
-          <p:nvSpPr>
-            <p:cNvPr id="141" name="Google Shape;141;p9"/>
-            <p:cNvSpPr/>
-            <p:nvPr/>
-          </p:nvSpPr>
-          <p:spPr>
-            <a:xfrm>
-              <a:off x="0" y="2478023"/>
-              <a:ext cx="9144000" cy="1618500"/>
-            </a:xfrm>
-            <a:prstGeom prst="rect">
-              <a:avLst/>
-            </a:prstGeom>
-            <a:blipFill rotWithShape="1">
-              <a:blip r:embed="rId3">
-                <a:alphaModFix/>
-              </a:blip>
-              <a:stretch>
-                <a:fillRect b="0" l="0" r="0" t="0"/>
-              </a:stretch>
-            </a:blipFill>
-            <a:ln>
-              <a:noFill/>
-            </a:ln>
-          </p:spPr>
-          <p:txBody>
-            <a:bodyPr anchorCtr="0" anchor="t" bIns="0" lIns="0" spcFirstLastPara="1" rIns="0" wrap="square" tIns="0">
-              <a:noAutofit/>
-            </a:bodyPr>
-            <a:lstStyle/>
-            <a:p>
-              <a:pPr indent="0" lvl="0" marL="0" marR="0" rtl="0" algn="l">
-                <a:lnSpc>
-                  <a:spcPct val="100000"/>
-                </a:lnSpc>
-                <a:spcBef>
-                  <a:spcPts val="0"/>
-                </a:spcBef>
-                <a:spcAft>
-                  <a:spcPts val="0"/>
-                </a:spcAft>
-                <a:buClr>
-                  <a:srgbClr val="000000"/>
-                </a:buClr>
-                <a:buSzPts val="1800"/>
-                <a:buFont typeface="Arial"/>
-                <a:buNone/>
-              </a:pPr>
-              <a:r>
-                <a:t/>
-              </a:r>
-              <a:endParaRPr b="0" i="0" sz="1800" u="none" cap="none" strike="noStrike">
-                <a:solidFill>
-                  <a:srgbClr val="000000"/>
-                </a:solidFill>
-                <a:latin typeface="Arial"/>
-                <a:ea typeface="Arial"/>
-                <a:cs typeface="Arial"/>
-                <a:sym typeface="Arial"/>
-              </a:endParaRPr>
-            </a:p>
-          </p:txBody>
-        </p:sp>
-        <p:sp>
-          <p:nvSpPr>
-            <p:cNvPr id="142" name="Google Shape;142;p9"/>
-            <p:cNvSpPr/>
-            <p:nvPr/>
-          </p:nvSpPr>
-          <p:spPr>
-            <a:xfrm>
-              <a:off x="6516623" y="3046475"/>
-              <a:ext cx="490800" cy="598800"/>
-            </a:xfrm>
-            <a:prstGeom prst="rect">
-              <a:avLst/>
-            </a:prstGeom>
-            <a:blipFill rotWithShape="1">
-              <a:blip r:embed="rId4">
-                <a:alphaModFix/>
-              </a:blip>
-              <a:stretch>
-                <a:fillRect b="0" l="0" r="0" t="0"/>
-              </a:stretch>
-            </a:blipFill>
-            <a:ln>
-              <a:noFill/>
-            </a:ln>
-          </p:spPr>
-          <p:txBody>
-            <a:bodyPr anchorCtr="0" anchor="t" bIns="0" lIns="0" spcFirstLastPara="1" rIns="0" wrap="square" tIns="0">
-              <a:noAutofit/>
-            </a:bodyPr>
-            <a:lstStyle/>
-            <a:p>
-              <a:pPr indent="0" lvl="0" marL="0" marR="0" rtl="0" algn="l">
-                <a:lnSpc>
-                  <a:spcPct val="100000"/>
-                </a:lnSpc>
-                <a:spcBef>
-                  <a:spcPts val="0"/>
-                </a:spcBef>
-                <a:spcAft>
-                  <a:spcPts val="0"/>
-                </a:spcAft>
-                <a:buClr>
-                  <a:srgbClr val="000000"/>
-                </a:buClr>
-                <a:buSzPts val="1800"/>
-                <a:buFont typeface="Arial"/>
-                <a:buNone/>
-              </a:pPr>
-              <a:r>
-                <a:t/>
-              </a:r>
-              <a:endParaRPr b="0" i="0" sz="1800" u="none" cap="none" strike="noStrike">
-                <a:solidFill>
-                  <a:srgbClr val="000000"/>
-                </a:solidFill>
-                <a:latin typeface="Arial"/>
-                <a:ea typeface="Arial"/>
-                <a:cs typeface="Arial"/>
-                <a:sym typeface="Arial"/>
-              </a:endParaRPr>
-            </a:p>
-          </p:txBody>
-        </p:sp>
-        <p:sp>
-          <p:nvSpPr>
-            <p:cNvPr id="143" name="Google Shape;143;p9"/>
-            <p:cNvSpPr/>
-            <p:nvPr/>
-          </p:nvSpPr>
-          <p:spPr>
-            <a:xfrm>
-              <a:off x="22859" y="2493263"/>
-              <a:ext cx="9121140" cy="1511935"/>
-            </a:xfrm>
-            <a:custGeom>
-              <a:rect b="b" l="l" r="r" t="t"/>
-              <a:pathLst>
-                <a:path extrusionOk="0" h="1511935" w="9121140">
-                  <a:moveTo>
-                    <a:pt x="0" y="1511808"/>
-                  </a:moveTo>
-                  <a:lnTo>
-                    <a:pt x="9121140" y="1511808"/>
-                  </a:lnTo>
-                  <a:lnTo>
-                    <a:pt x="9121140" y="0"/>
-                  </a:lnTo>
-                  <a:lnTo>
-                    <a:pt x="0" y="0"/>
-                  </a:lnTo>
-                  <a:lnTo>
-                    <a:pt x="0" y="1511808"/>
-                  </a:lnTo>
-                  <a:close/>
-                </a:path>
-              </a:pathLst>
-            </a:custGeom>
-            <a:solidFill>
-              <a:srgbClr val="FFFFFF"/>
-            </a:solidFill>
-            <a:ln>
-              <a:noFill/>
-            </a:ln>
-          </p:spPr>
-          <p:txBody>
-            <a:bodyPr anchorCtr="0" anchor="t" bIns="0" lIns="0" spcFirstLastPara="1" rIns="0" wrap="square" tIns="0">
-              <a:noAutofit/>
-            </a:bodyPr>
-            <a:lstStyle/>
-            <a:p>
-              <a:pPr indent="0" lvl="0" marL="0" marR="0" rtl="0" algn="l">
-                <a:lnSpc>
-                  <a:spcPct val="100000"/>
-                </a:lnSpc>
-                <a:spcBef>
-                  <a:spcPts val="0"/>
-                </a:spcBef>
-                <a:spcAft>
-                  <a:spcPts val="0"/>
-                </a:spcAft>
-                <a:buClr>
-                  <a:srgbClr val="000000"/>
-                </a:buClr>
-                <a:buSzPts val="1800"/>
-                <a:buFont typeface="Arial"/>
-                <a:buNone/>
-              </a:pPr>
-              <a:r>
-                <a:t/>
-              </a:r>
-              <a:endParaRPr b="0" i="0" sz="1800" u="none" cap="none" strike="noStrike">
-                <a:solidFill>
-                  <a:srgbClr val="000000"/>
-                </a:solidFill>
-                <a:latin typeface="Arial"/>
-                <a:ea typeface="Arial"/>
-                <a:cs typeface="Arial"/>
-                <a:sym typeface="Arial"/>
-              </a:endParaRPr>
-            </a:p>
-          </p:txBody>
-        </p:sp>
-      </p:grpSp>
-      <p:sp>
-        <p:nvSpPr>
-          <p:cNvPr id="144" name="Google Shape;144;p9"/>
-          <p:cNvSpPr txBox="1"/>
-          <p:nvPr>
-            <p:ph idx="4294967295" type="title"/>
-          </p:nvPr>
-        </p:nvSpPr>
-        <p:spPr>
-          <a:xfrm>
-            <a:off x="3933300" y="2999875"/>
-            <a:ext cx="1277400" cy="574800"/>
-          </a:xfrm>
-          <a:prstGeom prst="rect">
-            <a:avLst/>
-          </a:prstGeom>
-          <a:noFill/>
-          <a:ln>
-            <a:noFill/>
-          </a:ln>
-        </p:spPr>
-        <p:txBody>
-          <a:bodyPr anchorCtr="0" anchor="t" bIns="0" lIns="0" spcFirstLastPara="1" rIns="0" wrap="square" tIns="12700">
-            <a:noAutofit/>
-          </a:bodyPr>
-          <a:lstStyle/>
-          <a:p>
-            <a:pPr indent="0" lvl="0" marL="12700" rtl="0" algn="l">
-              <a:lnSpc>
-                <a:spcPct val="100000"/>
-              </a:lnSpc>
-              <a:spcBef>
-                <a:spcPts val="0"/>
-              </a:spcBef>
-              <a:spcAft>
-                <a:spcPts val="0"/>
-              </a:spcAft>
-              <a:buSzPts val="1400"/>
-              <a:buNone/>
-            </a:pPr>
-            <a:r>
-              <a:rPr lang="en-US" sz="3600"/>
-              <a:t>Q &amp; A</a:t>
-            </a:r>
-            <a:endParaRPr sz="3600">
-              <a:latin typeface="Arial"/>
-              <a:ea typeface="Arial"/>
-              <a:cs typeface="Arial"/>
-              <a:sym typeface="Arial"/>
             </a:endParaRPr>
           </a:p>
         </p:txBody>
